--- a/Calendario2024/Ejercicios/E18_NAT/Ejercicio18.pptx
+++ b/Calendario2024/Ejercicios/E18_NAT/Ejercicio18.pptx
@@ -5,7 +5,7 @@
     <p:sldMasterId id="2147483648" r:id="rId1"/>
   </p:sldMasterIdLst>
   <p:notesMasterIdLst>
-    <p:notesMasterId r:id="rId10"/>
+    <p:notesMasterId r:id="rId12"/>
   </p:notesMasterIdLst>
   <p:sldIdLst>
     <p:sldId id="257" r:id="rId2"/>
@@ -13,9 +13,11 @@
     <p:sldId id="332" r:id="rId4"/>
     <p:sldId id="342" r:id="rId5"/>
     <p:sldId id="326" r:id="rId6"/>
-    <p:sldId id="331" r:id="rId7"/>
-    <p:sldId id="337" r:id="rId8"/>
-    <p:sldId id="341" r:id="rId9"/>
+    <p:sldId id="343" r:id="rId7"/>
+    <p:sldId id="345" r:id="rId8"/>
+    <p:sldId id="346" r:id="rId9"/>
+    <p:sldId id="331" r:id="rId10"/>
+    <p:sldId id="344" r:id="rId11"/>
   </p:sldIdLst>
   <p:sldSz cx="9144000" cy="6858000" type="screen4x3"/>
   <p:notesSz cx="6858000" cy="9144000"/>
@@ -215,7 +217,7 @@
           <a:p>
             <a:fld id="{2D445F07-8756-451B-A938-0248325FC7BB}" type="datetimeFigureOut">
               <a:rPr lang="es-MX" smtClean="0"/>
-              <a:t>25/04/2023</a:t>
+              <a:t>21/04/2024</a:t>
             </a:fld>
             <a:endParaRPr lang="es-MX" dirty="0"/>
           </a:p>
@@ -374,7 +376,7 @@
           <a:p>
             <a:fld id="{5993AEC0-242E-4FA7-9D3C-51E1036AC3CB}" type="slidenum">
               <a:rPr lang="es-MX" smtClean="0"/>
-              <a:t>‹Nº›</a:t>
+              <a:t>‹#›</a:t>
             </a:fld>
             <a:endParaRPr lang="es-MX" dirty="0"/>
           </a:p>
@@ -748,7 +750,7 @@
           <a:p>
             <a:fld id="{5E75A0DC-66C6-4CEC-A5EB-F8C97CEC3796}" type="datetimeFigureOut">
               <a:rPr lang="es-MX" smtClean="0"/>
-              <a:t>25/04/2023</a:t>
+              <a:t>21/04/2024</a:t>
             </a:fld>
             <a:endParaRPr lang="es-MX" dirty="0"/>
           </a:p>
@@ -790,7 +792,7 @@
           <a:p>
             <a:fld id="{C077EE1E-7A06-4E7F-9AFB-189FC69B7B0C}" type="slidenum">
               <a:rPr lang="es-MX" smtClean="0"/>
-              <a:t>‹Nº›</a:t>
+              <a:t>‹#›</a:t>
             </a:fld>
             <a:endParaRPr lang="es-MX" dirty="0"/>
           </a:p>
@@ -918,7 +920,7 @@
           <a:p>
             <a:fld id="{5E75A0DC-66C6-4CEC-A5EB-F8C97CEC3796}" type="datetimeFigureOut">
               <a:rPr lang="es-MX" smtClean="0"/>
-              <a:t>25/04/2023</a:t>
+              <a:t>21/04/2024</a:t>
             </a:fld>
             <a:endParaRPr lang="es-MX" dirty="0"/>
           </a:p>
@@ -960,7 +962,7 @@
           <a:p>
             <a:fld id="{C077EE1E-7A06-4E7F-9AFB-189FC69B7B0C}" type="slidenum">
               <a:rPr lang="es-MX" smtClean="0"/>
-              <a:t>‹Nº›</a:t>
+              <a:t>‹#›</a:t>
             </a:fld>
             <a:endParaRPr lang="es-MX" dirty="0"/>
           </a:p>
@@ -1098,7 +1100,7 @@
           <a:p>
             <a:fld id="{5E75A0DC-66C6-4CEC-A5EB-F8C97CEC3796}" type="datetimeFigureOut">
               <a:rPr lang="es-MX" smtClean="0"/>
-              <a:t>25/04/2023</a:t>
+              <a:t>21/04/2024</a:t>
             </a:fld>
             <a:endParaRPr lang="es-MX" dirty="0"/>
           </a:p>
@@ -1140,7 +1142,7 @@
           <a:p>
             <a:fld id="{C077EE1E-7A06-4E7F-9AFB-189FC69B7B0C}" type="slidenum">
               <a:rPr lang="es-MX" smtClean="0"/>
-              <a:t>‹Nº›</a:t>
+              <a:t>‹#›</a:t>
             </a:fld>
             <a:endParaRPr lang="es-MX" dirty="0"/>
           </a:p>
@@ -1268,7 +1270,7 @@
           <a:p>
             <a:fld id="{5E75A0DC-66C6-4CEC-A5EB-F8C97CEC3796}" type="datetimeFigureOut">
               <a:rPr lang="es-MX" smtClean="0"/>
-              <a:t>25/04/2023</a:t>
+              <a:t>21/04/2024</a:t>
             </a:fld>
             <a:endParaRPr lang="es-MX" dirty="0"/>
           </a:p>
@@ -1310,7 +1312,7 @@
           <a:p>
             <a:fld id="{C077EE1E-7A06-4E7F-9AFB-189FC69B7B0C}" type="slidenum">
               <a:rPr lang="es-MX" smtClean="0"/>
-              <a:t>‹Nº›</a:t>
+              <a:t>‹#›</a:t>
             </a:fld>
             <a:endParaRPr lang="es-MX" dirty="0"/>
           </a:p>
@@ -1514,7 +1516,7 @@
           <a:p>
             <a:fld id="{5E75A0DC-66C6-4CEC-A5EB-F8C97CEC3796}" type="datetimeFigureOut">
               <a:rPr lang="es-MX" smtClean="0"/>
-              <a:t>25/04/2023</a:t>
+              <a:t>21/04/2024</a:t>
             </a:fld>
             <a:endParaRPr lang="es-MX" dirty="0"/>
           </a:p>
@@ -1556,7 +1558,7 @@
           <a:p>
             <a:fld id="{C077EE1E-7A06-4E7F-9AFB-189FC69B7B0C}" type="slidenum">
               <a:rPr lang="es-MX" smtClean="0"/>
-              <a:t>‹Nº›</a:t>
+              <a:t>‹#›</a:t>
             </a:fld>
             <a:endParaRPr lang="es-MX" dirty="0"/>
           </a:p>
@@ -1802,7 +1804,7 @@
           <a:p>
             <a:fld id="{5E75A0DC-66C6-4CEC-A5EB-F8C97CEC3796}" type="datetimeFigureOut">
               <a:rPr lang="es-MX" smtClean="0"/>
-              <a:t>25/04/2023</a:t>
+              <a:t>21/04/2024</a:t>
             </a:fld>
             <a:endParaRPr lang="es-MX" dirty="0"/>
           </a:p>
@@ -1844,7 +1846,7 @@
           <a:p>
             <a:fld id="{C077EE1E-7A06-4E7F-9AFB-189FC69B7B0C}" type="slidenum">
               <a:rPr lang="es-MX" smtClean="0"/>
-              <a:t>‹Nº›</a:t>
+              <a:t>‹#›</a:t>
             </a:fld>
             <a:endParaRPr lang="es-MX" dirty="0"/>
           </a:p>
@@ -2224,7 +2226,7 @@
           <a:p>
             <a:fld id="{5E75A0DC-66C6-4CEC-A5EB-F8C97CEC3796}" type="datetimeFigureOut">
               <a:rPr lang="es-MX" smtClean="0"/>
-              <a:t>25/04/2023</a:t>
+              <a:t>21/04/2024</a:t>
             </a:fld>
             <a:endParaRPr lang="es-MX" dirty="0"/>
           </a:p>
@@ -2266,7 +2268,7 @@
           <a:p>
             <a:fld id="{C077EE1E-7A06-4E7F-9AFB-189FC69B7B0C}" type="slidenum">
               <a:rPr lang="es-MX" smtClean="0"/>
-              <a:t>‹Nº›</a:t>
+              <a:t>‹#›</a:t>
             </a:fld>
             <a:endParaRPr lang="es-MX" dirty="0"/>
           </a:p>
@@ -2342,7 +2344,7 @@
           <a:p>
             <a:fld id="{5E75A0DC-66C6-4CEC-A5EB-F8C97CEC3796}" type="datetimeFigureOut">
               <a:rPr lang="es-MX" smtClean="0"/>
-              <a:t>25/04/2023</a:t>
+              <a:t>21/04/2024</a:t>
             </a:fld>
             <a:endParaRPr lang="es-MX" dirty="0"/>
           </a:p>
@@ -2384,7 +2386,7 @@
           <a:p>
             <a:fld id="{C077EE1E-7A06-4E7F-9AFB-189FC69B7B0C}" type="slidenum">
               <a:rPr lang="es-MX" smtClean="0"/>
-              <a:t>‹Nº›</a:t>
+              <a:t>‹#›</a:t>
             </a:fld>
             <a:endParaRPr lang="es-MX" dirty="0"/>
           </a:p>
@@ -2437,7 +2439,7 @@
           <a:p>
             <a:fld id="{5E75A0DC-66C6-4CEC-A5EB-F8C97CEC3796}" type="datetimeFigureOut">
               <a:rPr lang="es-MX" smtClean="0"/>
-              <a:t>25/04/2023</a:t>
+              <a:t>21/04/2024</a:t>
             </a:fld>
             <a:endParaRPr lang="es-MX" dirty="0"/>
           </a:p>
@@ -2479,7 +2481,7 @@
           <a:p>
             <a:fld id="{C077EE1E-7A06-4E7F-9AFB-189FC69B7B0C}" type="slidenum">
               <a:rPr lang="es-MX" smtClean="0"/>
-              <a:t>‹Nº›</a:t>
+              <a:t>‹#›</a:t>
             </a:fld>
             <a:endParaRPr lang="es-MX" dirty="0"/>
           </a:p>
@@ -2714,7 +2716,7 @@
           <a:p>
             <a:fld id="{5E75A0DC-66C6-4CEC-A5EB-F8C97CEC3796}" type="datetimeFigureOut">
               <a:rPr lang="es-MX" smtClean="0"/>
-              <a:t>25/04/2023</a:t>
+              <a:t>21/04/2024</a:t>
             </a:fld>
             <a:endParaRPr lang="es-MX" dirty="0"/>
           </a:p>
@@ -2756,7 +2758,7 @@
           <a:p>
             <a:fld id="{C077EE1E-7A06-4E7F-9AFB-189FC69B7B0C}" type="slidenum">
               <a:rPr lang="es-MX" smtClean="0"/>
-              <a:t>‹Nº›</a:t>
+              <a:t>‹#›</a:t>
             </a:fld>
             <a:endParaRPr lang="es-MX" dirty="0"/>
           </a:p>
@@ -2967,7 +2969,7 @@
           <a:p>
             <a:fld id="{5E75A0DC-66C6-4CEC-A5EB-F8C97CEC3796}" type="datetimeFigureOut">
               <a:rPr lang="es-MX" smtClean="0"/>
-              <a:t>25/04/2023</a:t>
+              <a:t>21/04/2024</a:t>
             </a:fld>
             <a:endParaRPr lang="es-MX" dirty="0"/>
           </a:p>
@@ -3009,7 +3011,7 @@
           <a:p>
             <a:fld id="{C077EE1E-7A06-4E7F-9AFB-189FC69B7B0C}" type="slidenum">
               <a:rPr lang="es-MX" smtClean="0"/>
-              <a:t>‹Nº›</a:t>
+              <a:t>‹#›</a:t>
             </a:fld>
             <a:endParaRPr lang="es-MX" dirty="0"/>
           </a:p>
@@ -3180,7 +3182,7 @@
           <a:p>
             <a:fld id="{5E75A0DC-66C6-4CEC-A5EB-F8C97CEC3796}" type="datetimeFigureOut">
               <a:rPr lang="es-MX" smtClean="0"/>
-              <a:t>25/04/2023</a:t>
+              <a:t>21/04/2024</a:t>
             </a:fld>
             <a:endParaRPr lang="es-MX" dirty="0"/>
           </a:p>
@@ -3258,7 +3260,7 @@
           <a:p>
             <a:fld id="{C077EE1E-7A06-4E7F-9AFB-189FC69B7B0C}" type="slidenum">
               <a:rPr lang="es-MX" smtClean="0"/>
-              <a:t>‹Nº›</a:t>
+              <a:t>‹#›</a:t>
             </a:fld>
             <a:endParaRPr lang="es-MX" dirty="0"/>
           </a:p>
@@ -3742,6 +3744,250 @@
 </p:sld>
 </file>
 
+<file path=ppt/slides/slide10.xml><?xml version="1.0" encoding="utf-8"?>
+<p:sld xmlns:a="http://schemas.openxmlformats.org/drawingml/2006/main" xmlns:r="http://schemas.openxmlformats.org/officeDocument/2006/relationships" xmlns:p="http://schemas.openxmlformats.org/presentationml/2006/main">
+  <p:cSld>
+    <p:spTree>
+      <p:nvGrpSpPr>
+        <p:cNvPr id="1" name=""/>
+        <p:cNvGrpSpPr/>
+        <p:nvPr/>
+      </p:nvGrpSpPr>
+      <p:grpSpPr>
+        <a:xfrm>
+          <a:off x="0" y="0"/>
+          <a:ext cx="0" cy="0"/>
+          <a:chOff x="0" y="0"/>
+          <a:chExt cx="0" cy="0"/>
+        </a:xfrm>
+      </p:grpSpPr>
+      <p:pic>
+        <p:nvPicPr>
+          <p:cNvPr id="12" name="Picture 11">
+            <a:extLst>
+              <a:ext uri="{FF2B5EF4-FFF2-40B4-BE49-F238E27FC236}">
+                <a16:creationId xmlns:a16="http://schemas.microsoft.com/office/drawing/2014/main" id="{8FA668D5-E379-CD9A-F40B-86D405A09582}"/>
+              </a:ext>
+            </a:extLst>
+          </p:cNvPr>
+          <p:cNvPicPr>
+            <a:picLocks noChangeAspect="1"/>
+          </p:cNvPicPr>
+          <p:nvPr/>
+        </p:nvPicPr>
+        <p:blipFill>
+          <a:blip r:embed="rId2"/>
+          <a:stretch>
+            <a:fillRect/>
+          </a:stretch>
+        </p:blipFill>
+        <p:spPr>
+          <a:xfrm>
+            <a:off x="0" y="2780928"/>
+            <a:ext cx="9144000" cy="3078109"/>
+          </a:xfrm>
+          <a:prstGeom prst="rect">
+            <a:avLst/>
+          </a:prstGeom>
+        </p:spPr>
+      </p:pic>
+      <p:sp>
+        <p:nvSpPr>
+          <p:cNvPr id="8" name="Rectangle 2"/>
+          <p:cNvSpPr txBox="1">
+            <a:spLocks noChangeArrowheads="1"/>
+          </p:cNvSpPr>
+          <p:nvPr/>
+        </p:nvSpPr>
+        <p:spPr>
+          <a:xfrm>
+            <a:off x="266847" y="0"/>
+            <a:ext cx="8784976" cy="1124744"/>
+          </a:xfrm>
+          <a:prstGeom prst="rect">
+            <a:avLst/>
+          </a:prstGeom>
+        </p:spPr>
+        <p:txBody>
+          <a:bodyPr vert="horz" lIns="92075" tIns="46038" rIns="92075" bIns="46038" rtlCol="0" anchor="ctr">
+            <a:noAutofit/>
+          </a:bodyPr>
+          <a:lstStyle>
+            <a:lvl1pPr algn="ctr" defTabSz="914400" rtl="0" eaLnBrk="1" latinLnBrk="0" hangingPunct="1">
+              <a:spcBef>
+                <a:spcPct val="0"/>
+              </a:spcBef>
+              <a:buNone/>
+              <a:defRPr sz="4400" kern="1200">
+                <a:solidFill>
+                  <a:schemeClr val="tx1"/>
+                </a:solidFill>
+                <a:latin typeface="+mj-lt"/>
+                <a:ea typeface="+mj-ea"/>
+                <a:cs typeface="+mj-cs"/>
+              </a:defRPr>
+            </a:lvl1pPr>
+          </a:lstStyle>
+          <a:p>
+            <a:pPr>
+              <a:defRPr/>
+            </a:pPr>
+            <a:r>
+              <a:rPr lang="es-ES_tradnl" sz="3200" dirty="0">
+                <a:solidFill>
+                  <a:srgbClr val="3333CC"/>
+                </a:solidFill>
+                <a:effectLst>
+                  <a:outerShdw blurRad="38100" dist="38100" dir="2700000" algn="tl">
+                    <a:srgbClr val="C0C0C0"/>
+                  </a:outerShdw>
+                </a:effectLst>
+                <a:latin typeface="Dom Casual" charset="0"/>
+              </a:rPr>
+              <a:t> </a:t>
+            </a:r>
+            <a:r>
+              <a:rPr lang="es-ES_tradnl" sz="3200" b="1" dirty="0">
+                <a:solidFill>
+                  <a:schemeClr val="accent4">
+                    <a:lumMod val="50000"/>
+                  </a:schemeClr>
+                </a:solidFill>
+                <a:effectLst>
+                  <a:outerShdw blurRad="38100" dist="38100" dir="2700000" algn="tl">
+                    <a:srgbClr val="C0C0C0"/>
+                  </a:outerShdw>
+                </a:effectLst>
+                <a:latin typeface="Dom Casual" charset="0"/>
+              </a:rPr>
+              <a:t>Configuración del servidor DNS</a:t>
+            </a:r>
+          </a:p>
+        </p:txBody>
+      </p:sp>
+      <p:sp>
+        <p:nvSpPr>
+          <p:cNvPr id="10" name="TextBox 9">
+            <a:extLst>
+              <a:ext uri="{FF2B5EF4-FFF2-40B4-BE49-F238E27FC236}">
+                <a16:creationId xmlns:a16="http://schemas.microsoft.com/office/drawing/2014/main" id="{7DC2FBB8-293D-1C2B-26AE-75F1BE4A93AA}"/>
+              </a:ext>
+            </a:extLst>
+          </p:cNvPr>
+          <p:cNvSpPr txBox="1"/>
+          <p:nvPr/>
+        </p:nvSpPr>
+        <p:spPr>
+          <a:xfrm>
+            <a:off x="539552" y="1348169"/>
+            <a:ext cx="8064896" cy="1524007"/>
+          </a:xfrm>
+          <a:prstGeom prst="rect">
+            <a:avLst/>
+          </a:prstGeom>
+          <a:noFill/>
+        </p:spPr>
+        <p:txBody>
+          <a:bodyPr wrap="square">
+            <a:spAutoFit/>
+          </a:bodyPr>
+          <a:lstStyle/>
+          <a:p>
+            <a:pPr algn="just" eaLnBrk="0" hangingPunct="0">
+              <a:lnSpc>
+                <a:spcPct val="150000"/>
+              </a:lnSpc>
+            </a:pPr>
+            <a:r>
+              <a:rPr lang="es-MX" sz="1600" dirty="0">
+                <a:latin typeface="Arial" panose="020B0604020202020204" pitchFamily="34" charset="0"/>
+                <a:cs typeface="Arial" panose="020B0604020202020204" pitchFamily="34" charset="0"/>
+              </a:rPr>
+              <a:t>Configurar el </a:t>
+            </a:r>
+            <a:r>
+              <a:rPr lang="es-MX" sz="1600" b="1" dirty="0">
+                <a:solidFill>
+                  <a:schemeClr val="accent6">
+                    <a:lumMod val="75000"/>
+                  </a:schemeClr>
+                </a:solidFill>
+                <a:latin typeface="Arial" panose="020B0604020202020204" pitchFamily="34" charset="0"/>
+                <a:cs typeface="Arial" panose="020B0604020202020204" pitchFamily="34" charset="0"/>
+              </a:rPr>
+              <a:t>servidor DNS </a:t>
+            </a:r>
+            <a:r>
+              <a:rPr lang="es-MX" sz="1600" dirty="0">
+                <a:latin typeface="Arial" panose="020B0604020202020204" pitchFamily="34" charset="0"/>
+                <a:cs typeface="Arial" panose="020B0604020202020204" pitchFamily="34" charset="0"/>
+              </a:rPr>
+              <a:t>con registros para los servidores del tec, tinder y DNS:</a:t>
+            </a:r>
+          </a:p>
+          <a:p>
+            <a:pPr marL="800100" lvl="1" indent="-342900" algn="just" eaLnBrk="0" hangingPunct="0">
+              <a:lnSpc>
+                <a:spcPct val="150000"/>
+              </a:lnSpc>
+              <a:buFont typeface="Arial" panose="020B0604020202020204" pitchFamily="34" charset="0"/>
+              <a:buChar char="•"/>
+            </a:pPr>
+            <a:r>
+              <a:rPr lang="es-MX" sz="1600" dirty="0">
+                <a:latin typeface="Arial" panose="020B0604020202020204" pitchFamily="34" charset="0"/>
+                <a:cs typeface="Arial" panose="020B0604020202020204" pitchFamily="34" charset="0"/>
+              </a:rPr>
+              <a:t>www.tec.com (dirección pública)	</a:t>
+            </a:r>
+          </a:p>
+          <a:p>
+            <a:pPr marL="800100" lvl="1" indent="-342900" algn="just" eaLnBrk="0" hangingPunct="0">
+              <a:lnSpc>
+                <a:spcPct val="150000"/>
+              </a:lnSpc>
+              <a:buFont typeface="Arial" panose="020B0604020202020204" pitchFamily="34" charset="0"/>
+              <a:buChar char="•"/>
+            </a:pPr>
+            <a:r>
+              <a:rPr lang="es-MX" sz="1600" dirty="0">
+                <a:latin typeface="Arial" panose="020B0604020202020204" pitchFamily="34" charset="0"/>
+                <a:cs typeface="Arial" panose="020B0604020202020204" pitchFamily="34" charset="0"/>
+              </a:rPr>
+              <a:t>tinder.com</a:t>
+            </a:r>
+          </a:p>
+          <a:p>
+            <a:pPr marL="800100" lvl="1" indent="-342900" algn="just" eaLnBrk="0" hangingPunct="0">
+              <a:lnSpc>
+                <a:spcPct val="150000"/>
+              </a:lnSpc>
+              <a:buFont typeface="Arial" panose="020B0604020202020204" pitchFamily="34" charset="0"/>
+              <a:buChar char="•"/>
+            </a:pPr>
+            <a:r>
+              <a:rPr lang="es-MX" sz="1600" dirty="0">
+                <a:latin typeface="Arial" panose="020B0604020202020204" pitchFamily="34" charset="0"/>
+                <a:cs typeface="Arial" panose="020B0604020202020204" pitchFamily="34" charset="0"/>
+              </a:rPr>
+              <a:t>DNS.com	</a:t>
+            </a:r>
+          </a:p>
+        </p:txBody>
+      </p:sp>
+    </p:spTree>
+    <p:extLst>
+      <p:ext uri="{BB962C8B-B14F-4D97-AF65-F5344CB8AC3E}">
+        <p14:creationId xmlns:p14="http://schemas.microsoft.com/office/powerpoint/2010/main" val="2101885768"/>
+      </p:ext>
+    </p:extLst>
+  </p:cSld>
+  <p:clrMapOvr>
+    <a:masterClrMapping/>
+  </p:clrMapOvr>
+</p:sld>
+</file>
+
 <file path=ppt/slides/slide2.xml><?xml version="1.0" encoding="utf-8"?>
 <p:sld xmlns:a="http://schemas.openxmlformats.org/drawingml/2006/main" xmlns:r="http://schemas.openxmlformats.org/officeDocument/2006/relationships" xmlns:p="http://schemas.openxmlformats.org/presentationml/2006/main">
   <p:cSld>
@@ -3759,6 +4005,36 @@
           <a:chExt cx="0" cy="0"/>
         </a:xfrm>
       </p:grpSpPr>
+      <p:pic>
+        <p:nvPicPr>
+          <p:cNvPr id="7" name="Picture 6">
+            <a:extLst>
+              <a:ext uri="{FF2B5EF4-FFF2-40B4-BE49-F238E27FC236}">
+                <a16:creationId xmlns:a16="http://schemas.microsoft.com/office/drawing/2014/main" id="{4FB3F64D-6942-50B0-84D0-84C794A7DF18}"/>
+              </a:ext>
+            </a:extLst>
+          </p:cNvPr>
+          <p:cNvPicPr>
+            <a:picLocks noChangeAspect="1"/>
+          </p:cNvPicPr>
+          <p:nvPr/>
+        </p:nvPicPr>
+        <p:blipFill>
+          <a:blip r:embed="rId2"/>
+          <a:stretch>
+            <a:fillRect/>
+          </a:stretch>
+        </p:blipFill>
+        <p:spPr>
+          <a:xfrm>
+            <a:off x="662891" y="4186328"/>
+            <a:ext cx="7818218" cy="2631817"/>
+          </a:xfrm>
+          <a:prstGeom prst="rect">
+            <a:avLst/>
+          </a:prstGeom>
+        </p:spPr>
+      </p:pic>
       <p:sp>
         <p:nvSpPr>
           <p:cNvPr id="8" name="Rectangle 2"/>
@@ -3769,8 +4045,8 @@
         </p:nvSpPr>
         <p:spPr>
           <a:xfrm>
-            <a:off x="179511" y="116632"/>
-            <a:ext cx="8784976" cy="1124744"/>
+            <a:off x="179513" y="0"/>
+            <a:ext cx="8872310" cy="1124744"/>
           </a:xfrm>
           <a:prstGeom prst="rect">
             <a:avLst/>
@@ -3828,29 +4104,7 @@
                 </a:effectLst>
                 <a:latin typeface="Dom Casual" charset="0"/>
               </a:rPr>
-              <a:t>Configuración de NAT</a:t>
-            </a:r>
-          </a:p>
-          <a:p>
-            <a:pPr>
-              <a:defRPr/>
-            </a:pPr>
-            <a:r>
-              <a:rPr lang="es-ES_tradnl" sz="1800" b="1" dirty="0">
-                <a:solidFill>
-                  <a:schemeClr val="accent6">
-                    <a:lumMod val="75000"/>
-                  </a:schemeClr>
-                </a:solidFill>
-                <a:effectLst>
-                  <a:outerShdw blurRad="38100" dist="38100" dir="2700000" algn="tl">
-                    <a:srgbClr val="C0C0C0"/>
-                  </a:outerShdw>
-                </a:effectLst>
-                <a:latin typeface="Arial" panose="020B0604020202020204" pitchFamily="34" charset="0"/>
-                <a:cs typeface="Arial" panose="020B0604020202020204" pitchFamily="34" charset="0"/>
-              </a:rPr>
-              <a:t>Ejercicio de clase</a:t>
+              <a:t>Configuración de DHCP, rutas estáticas, NAT y DNS</a:t>
             </a:r>
           </a:p>
         </p:txBody>
@@ -3871,8 +4125,8 @@
         </p:nvSpPr>
         <p:spPr bwMode="auto">
           <a:xfrm>
-            <a:off x="354184" y="1241376"/>
-            <a:ext cx="8610303" cy="3365024"/>
+            <a:off x="354182" y="1005401"/>
+            <a:ext cx="8610305" cy="3165803"/>
           </a:xfrm>
           <a:prstGeom prst="rect">
             <a:avLst/>
@@ -4012,7 +4266,7 @@
               <a:buAutoNum type="arabicPeriod"/>
             </a:pPr>
             <a:r>
-              <a:rPr lang="es-MX" sz="1800" dirty="0">
+              <a:rPr lang="es-MX" sz="1500" dirty="0">
                 <a:solidFill>
                   <a:schemeClr val="bg2">
                     <a:lumMod val="25000"/>
@@ -4024,7 +4278,7 @@
               <a:t>Se tiene el </a:t>
             </a:r>
             <a:r>
-              <a:rPr lang="es-MX" sz="1800" b="1" dirty="0">
+              <a:rPr lang="es-MX" sz="1500" b="1" dirty="0">
                 <a:solidFill>
                   <a:schemeClr val="bg2">
                     <a:lumMod val="25000"/>
@@ -4036,7 +4290,7 @@
               <a:t>diseño de una red </a:t>
             </a:r>
             <a:r>
-              <a:rPr lang="es-MX" sz="1800" dirty="0">
+              <a:rPr lang="es-MX" sz="1500" dirty="0">
                 <a:solidFill>
                   <a:schemeClr val="bg2">
                     <a:lumMod val="25000"/>
@@ -4057,7 +4311,7 @@
               <a:buAutoNum type="arabicPeriod"/>
             </a:pPr>
             <a:r>
-              <a:rPr lang="es-MX" sz="1800" dirty="0">
+              <a:rPr lang="es-MX" sz="1500" dirty="0">
                 <a:solidFill>
                   <a:schemeClr val="bg2">
                     <a:lumMod val="25000"/>
@@ -4066,10 +4320,10 @@
                 <a:latin typeface="Arial" panose="020B0604020202020204" pitchFamily="34" charset="0"/>
                 <a:cs typeface="Arial" panose="020B0604020202020204" pitchFamily="34" charset="0"/>
               </a:rPr>
-              <a:t>Se cuenta con un </a:t>
-            </a:r>
-            <a:r>
-              <a:rPr lang="es-MX" sz="1800" dirty="0" err="1">
+              <a:t>Se cuenta con un subneteo con máscaras de longitud variable (</a:t>
+            </a:r>
+            <a:r>
+              <a:rPr lang="es-MX" sz="1500" b="1" dirty="0">
                 <a:solidFill>
                   <a:schemeClr val="bg2">
                     <a:lumMod val="25000"/>
@@ -4078,34 +4332,10 @@
                 <a:latin typeface="Arial" panose="020B0604020202020204" pitchFamily="34" charset="0"/>
                 <a:cs typeface="Arial" panose="020B0604020202020204" pitchFamily="34" charset="0"/>
               </a:rPr>
-              <a:t>subneteo</a:t>
-            </a:r>
-            <a:r>
-              <a:rPr lang="es-MX" sz="1800" dirty="0">
-                <a:solidFill>
-                  <a:schemeClr val="bg2">
-                    <a:lumMod val="25000"/>
-                  </a:schemeClr>
-                </a:solidFill>
-                <a:latin typeface="Arial" panose="020B0604020202020204" pitchFamily="34" charset="0"/>
-                <a:cs typeface="Arial" panose="020B0604020202020204" pitchFamily="34" charset="0"/>
-              </a:rPr>
-              <a:t> con máscaras de longitud variable (</a:t>
-            </a:r>
-            <a:r>
-              <a:rPr lang="es-MX" sz="1800" b="1" dirty="0">
-                <a:solidFill>
-                  <a:schemeClr val="bg2">
-                    <a:lumMod val="25000"/>
-                  </a:schemeClr>
-                </a:solidFill>
-                <a:latin typeface="Arial" panose="020B0604020202020204" pitchFamily="34" charset="0"/>
-                <a:cs typeface="Arial" panose="020B0604020202020204" pitchFamily="34" charset="0"/>
-              </a:rPr>
               <a:t>VLSM</a:t>
             </a:r>
             <a:r>
-              <a:rPr lang="es-MX" sz="1800" dirty="0">
+              <a:rPr lang="es-MX" sz="1500" dirty="0">
                 <a:solidFill>
                   <a:schemeClr val="bg2">
                     <a:lumMod val="25000"/>
@@ -4126,7 +4356,7 @@
               <a:buAutoNum type="arabicPeriod"/>
             </a:pPr>
             <a:r>
-              <a:rPr lang="es-MX" sz="1800" dirty="0">
+              <a:rPr lang="es-MX" sz="1500" dirty="0">
                 <a:solidFill>
                   <a:schemeClr val="bg2">
                     <a:lumMod val="25000"/>
@@ -4138,7 +4368,7 @@
               <a:t>Se trabajará con una </a:t>
             </a:r>
             <a:r>
-              <a:rPr lang="es-MX" sz="1800" b="1" dirty="0">
+              <a:rPr lang="es-MX" sz="1500" b="1" dirty="0">
                 <a:solidFill>
                   <a:schemeClr val="bg2">
                     <a:lumMod val="25000"/>
@@ -4150,7 +4380,7 @@
               <a:t>red privada 10.x.x.x</a:t>
             </a:r>
             <a:r>
-              <a:rPr lang="es-MX" sz="1800" dirty="0">
+              <a:rPr lang="es-MX" sz="1500" dirty="0">
                 <a:solidFill>
                   <a:schemeClr val="bg2">
                     <a:lumMod val="25000"/>
@@ -4171,7 +4401,7 @@
               <a:buAutoNum type="arabicPeriod"/>
             </a:pPr>
             <a:r>
-              <a:rPr lang="es-MX" sz="1800" dirty="0">
+              <a:rPr lang="es-MX" sz="1500" dirty="0">
                 <a:solidFill>
                   <a:schemeClr val="bg2">
                     <a:lumMod val="25000"/>
@@ -4183,7 +4413,7 @@
               <a:t>Se instalará el servicio de </a:t>
             </a:r>
             <a:r>
-              <a:rPr lang="es-MX" sz="1800" b="1" dirty="0">
+              <a:rPr lang="es-MX" sz="1500" b="1" dirty="0">
                 <a:solidFill>
                   <a:schemeClr val="bg2">
                     <a:lumMod val="25000"/>
@@ -4195,7 +4425,7 @@
               <a:t>DHCP centralizado</a:t>
             </a:r>
             <a:r>
-              <a:rPr lang="es-MX" sz="1800" dirty="0">
+              <a:rPr lang="es-MX" sz="1500" dirty="0">
                 <a:solidFill>
                   <a:schemeClr val="bg2">
                     <a:lumMod val="25000"/>
@@ -4216,7 +4446,7 @@
               <a:buAutoNum type="arabicPeriod"/>
             </a:pPr>
             <a:r>
-              <a:rPr lang="es-MX" sz="1800" dirty="0">
+              <a:rPr lang="es-MX" sz="1500" dirty="0">
                 <a:solidFill>
                   <a:schemeClr val="bg2">
                     <a:lumMod val="25000"/>
@@ -4225,10 +4455,10 @@
                 <a:latin typeface="Arial" panose="020B0604020202020204" pitchFamily="34" charset="0"/>
                 <a:cs typeface="Arial" panose="020B0604020202020204" pitchFamily="34" charset="0"/>
               </a:rPr>
-              <a:t>Se instalará el </a:t>
-            </a:r>
-            <a:r>
-              <a:rPr lang="es-MX" sz="1800" b="1" dirty="0">
+              <a:t>Se instalarán </a:t>
+            </a:r>
+            <a:r>
+              <a:rPr lang="es-MX" sz="1500" b="1" dirty="0">
                 <a:solidFill>
                   <a:schemeClr val="bg2">
                     <a:lumMod val="25000"/>
@@ -4237,10 +4467,10 @@
                 <a:latin typeface="Arial" panose="020B0604020202020204" pitchFamily="34" charset="0"/>
                 <a:cs typeface="Arial" panose="020B0604020202020204" pitchFamily="34" charset="0"/>
               </a:rPr>
-              <a:t>servicio de NAT</a:t>
-            </a:r>
-            <a:r>
-              <a:rPr lang="es-MX" sz="1800" dirty="0">
+              <a:t>rutas estáticas </a:t>
+            </a:r>
+            <a:r>
+              <a:rPr lang="es-MX" sz="1500" dirty="0">
                 <a:solidFill>
                   <a:schemeClr val="bg2">
                     <a:lumMod val="25000"/>
@@ -4249,7 +4479,7 @@
                 <a:latin typeface="Arial" panose="020B0604020202020204" pitchFamily="34" charset="0"/>
                 <a:cs typeface="Arial" panose="020B0604020202020204" pitchFamily="34" charset="0"/>
               </a:rPr>
-              <a:t>.</a:t>
+              <a:t>en el ISP hacia las redes de la empresa.</a:t>
             </a:r>
           </a:p>
           <a:p>
@@ -4261,7 +4491,7 @@
               <a:buAutoNum type="arabicPeriod"/>
             </a:pPr>
             <a:r>
-              <a:rPr lang="es-MX" sz="1800" dirty="0">
+              <a:rPr lang="es-MX" sz="1500" dirty="0">
                 <a:solidFill>
                   <a:schemeClr val="bg2">
                     <a:lumMod val="25000"/>
@@ -4270,10 +4500,10 @@
                 <a:latin typeface="Arial" panose="020B0604020202020204" pitchFamily="34" charset="0"/>
                 <a:cs typeface="Arial" panose="020B0604020202020204" pitchFamily="34" charset="0"/>
               </a:rPr>
-              <a:t>Se instalará un </a:t>
-            </a:r>
-            <a:r>
-              <a:rPr lang="es-MX" sz="1800" b="1" dirty="0">
+              <a:t>Se instalará una </a:t>
+            </a:r>
+            <a:r>
+              <a:rPr lang="es-MX" sz="1500" b="1" dirty="0">
                 <a:solidFill>
                   <a:schemeClr val="bg2">
                     <a:lumMod val="25000"/>
@@ -4282,10 +4512,10 @@
                 <a:latin typeface="Arial" panose="020B0604020202020204" pitchFamily="34" charset="0"/>
                 <a:cs typeface="Arial" panose="020B0604020202020204" pitchFamily="34" charset="0"/>
               </a:rPr>
-              <a:t>servidor con direccionamiento estático </a:t>
-            </a:r>
-            <a:r>
-              <a:rPr lang="es-MX" sz="1800" dirty="0">
+              <a:t>ruta estática </a:t>
+            </a:r>
+            <a:r>
+              <a:rPr lang="es-MX" sz="1500" dirty="0">
                 <a:solidFill>
                   <a:schemeClr val="bg2">
                     <a:lumMod val="25000"/>
@@ -4294,7 +4524,7 @@
                 <a:latin typeface="Arial" panose="020B0604020202020204" pitchFamily="34" charset="0"/>
                 <a:cs typeface="Arial" panose="020B0604020202020204" pitchFamily="34" charset="0"/>
               </a:rPr>
-              <a:t>para accederlo desde el exterior.</a:t>
+              <a:t>en el ISP con el direccionamiento público asignado.</a:t>
             </a:r>
           </a:p>
           <a:p>
@@ -4305,48 +4535,135 @@
               <a:buFont typeface="+mj-lt"/>
               <a:buAutoNum type="arabicPeriod"/>
             </a:pPr>
-            <a:endParaRPr lang="es-MX" sz="1800" dirty="0">
-              <a:solidFill>
-                <a:schemeClr val="bg2">
-                  <a:lumMod val="25000"/>
-                </a:schemeClr>
-              </a:solidFill>
-              <a:latin typeface="Arial" panose="020B0604020202020204" pitchFamily="34" charset="0"/>
-              <a:cs typeface="Arial" panose="020B0604020202020204" pitchFamily="34" charset="0"/>
-            </a:endParaRPr>
+            <a:r>
+              <a:rPr lang="es-MX" sz="1500" dirty="0">
+                <a:solidFill>
+                  <a:schemeClr val="bg2">
+                    <a:lumMod val="25000"/>
+                  </a:schemeClr>
+                </a:solidFill>
+                <a:latin typeface="Arial" panose="020B0604020202020204" pitchFamily="34" charset="0"/>
+                <a:cs typeface="Arial" panose="020B0604020202020204" pitchFamily="34" charset="0"/>
+              </a:rPr>
+              <a:t>Se instalará el </a:t>
+            </a:r>
+            <a:r>
+              <a:rPr lang="es-MX" sz="1500" b="1" dirty="0">
+                <a:solidFill>
+                  <a:schemeClr val="bg2">
+                    <a:lumMod val="25000"/>
+                  </a:schemeClr>
+                </a:solidFill>
+                <a:latin typeface="Arial" panose="020B0604020202020204" pitchFamily="34" charset="0"/>
+                <a:cs typeface="Arial" panose="020B0604020202020204" pitchFamily="34" charset="0"/>
+              </a:rPr>
+              <a:t>servicio de NAT</a:t>
+            </a:r>
+            <a:r>
+              <a:rPr lang="es-MX" sz="1500" dirty="0">
+                <a:solidFill>
+                  <a:schemeClr val="bg2">
+                    <a:lumMod val="25000"/>
+                  </a:schemeClr>
+                </a:solidFill>
+                <a:latin typeface="Arial" panose="020B0604020202020204" pitchFamily="34" charset="0"/>
+                <a:cs typeface="Arial" panose="020B0604020202020204" pitchFamily="34" charset="0"/>
+              </a:rPr>
+              <a:t>.</a:t>
+            </a:r>
+          </a:p>
+          <a:p>
+            <a:pPr marL="342900" indent="-342900" algn="just">
+              <a:lnSpc>
+                <a:spcPct val="150000"/>
+              </a:lnSpc>
+              <a:buFont typeface="+mj-lt"/>
+              <a:buAutoNum type="arabicPeriod"/>
+            </a:pPr>
+            <a:r>
+              <a:rPr lang="es-MX" sz="1500" dirty="0">
+                <a:solidFill>
+                  <a:schemeClr val="bg2">
+                    <a:lumMod val="25000"/>
+                  </a:schemeClr>
+                </a:solidFill>
+                <a:latin typeface="Arial" panose="020B0604020202020204" pitchFamily="34" charset="0"/>
+                <a:cs typeface="Arial" panose="020B0604020202020204" pitchFamily="34" charset="0"/>
+              </a:rPr>
+              <a:t>Se instalará un </a:t>
+            </a:r>
+            <a:r>
+              <a:rPr lang="es-MX" sz="1500" b="1" dirty="0">
+                <a:solidFill>
+                  <a:schemeClr val="bg2">
+                    <a:lumMod val="25000"/>
+                  </a:schemeClr>
+                </a:solidFill>
+                <a:latin typeface="Arial" panose="020B0604020202020204" pitchFamily="34" charset="0"/>
+                <a:cs typeface="Arial" panose="020B0604020202020204" pitchFamily="34" charset="0"/>
+              </a:rPr>
+              <a:t>servidor con direccionamiento estático </a:t>
+            </a:r>
+            <a:r>
+              <a:rPr lang="es-MX" sz="1500" dirty="0">
+                <a:solidFill>
+                  <a:schemeClr val="bg2">
+                    <a:lumMod val="25000"/>
+                  </a:schemeClr>
+                </a:solidFill>
+                <a:latin typeface="Arial" panose="020B0604020202020204" pitchFamily="34" charset="0"/>
+                <a:cs typeface="Arial" panose="020B0604020202020204" pitchFamily="34" charset="0"/>
+              </a:rPr>
+              <a:t>para accederlo desde el exterior</a:t>
+            </a:r>
+          </a:p>
+          <a:p>
+            <a:pPr marL="342900" indent="-342900" algn="just">
+              <a:lnSpc>
+                <a:spcPct val="150000"/>
+              </a:lnSpc>
+              <a:buFont typeface="+mj-lt"/>
+              <a:buAutoNum type="arabicPeriod"/>
+            </a:pPr>
+            <a:r>
+              <a:rPr lang="es-MX" sz="1500" dirty="0">
+                <a:solidFill>
+                  <a:schemeClr val="bg2">
+                    <a:lumMod val="25000"/>
+                  </a:schemeClr>
+                </a:solidFill>
+                <a:latin typeface="Arial" panose="020B0604020202020204" pitchFamily="34" charset="0"/>
+                <a:cs typeface="Arial" panose="020B0604020202020204" pitchFamily="34" charset="0"/>
+              </a:rPr>
+              <a:t>Se instalará un </a:t>
+            </a:r>
+            <a:r>
+              <a:rPr lang="es-MX" sz="1500" b="1" dirty="0">
+                <a:solidFill>
+                  <a:schemeClr val="bg2">
+                    <a:lumMod val="25000"/>
+                  </a:schemeClr>
+                </a:solidFill>
+                <a:latin typeface="Arial" panose="020B0604020202020204" pitchFamily="34" charset="0"/>
+                <a:cs typeface="Arial" panose="020B0604020202020204" pitchFamily="34" charset="0"/>
+              </a:rPr>
+              <a:t>servidor DNS</a:t>
+            </a:r>
+            <a:r>
+              <a:rPr lang="es-MX" sz="1500" dirty="0">
+                <a:solidFill>
+                  <a:schemeClr val="bg2">
+                    <a:lumMod val="25000"/>
+                  </a:schemeClr>
+                </a:solidFill>
+                <a:latin typeface="Arial" panose="020B0604020202020204" pitchFamily="34" charset="0"/>
+                <a:cs typeface="Arial" panose="020B0604020202020204" pitchFamily="34" charset="0"/>
+              </a:rPr>
+              <a:t>.</a:t>
+            </a:r>
           </a:p>
         </p:txBody>
       </p:sp>
-      <p:pic>
-        <p:nvPicPr>
-          <p:cNvPr id="2" name="Imagen 1">
-            <a:extLst>
-              <a:ext uri="{FF2B5EF4-FFF2-40B4-BE49-F238E27FC236}">
-                <a16:creationId xmlns:a16="http://schemas.microsoft.com/office/drawing/2014/main" id="{3255824B-F31D-360A-151C-9E1C7FEC1205}"/>
-              </a:ext>
-            </a:extLst>
-          </p:cNvPr>
-          <p:cNvPicPr>
-            <a:picLocks noChangeAspect="1"/>
-          </p:cNvPicPr>
-          <p:nvPr/>
-        </p:nvPicPr>
-        <p:blipFill>
-          <a:blip r:embed="rId2"/>
-          <a:stretch>
-            <a:fillRect/>
-          </a:stretch>
-        </p:blipFill>
-        <p:spPr>
-          <a:xfrm>
-            <a:off x="893390" y="4195142"/>
-            <a:ext cx="7357217" cy="2546226"/>
-          </a:xfrm>
-          <a:prstGeom prst="rect">
-            <a:avLst/>
-          </a:prstGeom>
-        </p:spPr>
-      </p:pic>
     </p:spTree>
     <p:extLst>
       <p:ext uri="{BB962C8B-B14F-4D97-AF65-F5344CB8AC3E}">
@@ -4553,7 +4870,7 @@
         </p:nvSpPr>
         <p:spPr bwMode="auto">
           <a:xfrm>
-            <a:off x="611559" y="1484784"/>
+            <a:off x="539552" y="1124744"/>
             <a:ext cx="8253282" cy="1524007"/>
           </a:xfrm>
           <a:prstGeom prst="rect">
@@ -4774,10 +5091,10 @@
       </p:sp>
       <p:pic>
         <p:nvPicPr>
-          <p:cNvPr id="2" name="Imagen 1">
+          <p:cNvPr id="7" name="Picture 6">
             <a:extLst>
               <a:ext uri="{FF2B5EF4-FFF2-40B4-BE49-F238E27FC236}">
-                <a16:creationId xmlns:a16="http://schemas.microsoft.com/office/drawing/2014/main" id="{4B2E9ABC-D20D-8EC5-AE7D-05F59CF1310E}"/>
+                <a16:creationId xmlns:a16="http://schemas.microsoft.com/office/drawing/2014/main" id="{0085C6AF-8D78-FFF7-537A-7A5407F23BB1}"/>
               </a:ext>
             </a:extLst>
           </p:cNvPr>
@@ -4794,8 +5111,8 @@
         </p:blipFill>
         <p:spPr>
           <a:xfrm>
-            <a:off x="1059592" y="4133906"/>
-            <a:ext cx="7357217" cy="2546226"/>
+            <a:off x="0" y="2852936"/>
+            <a:ext cx="9144000" cy="3078109"/>
           </a:xfrm>
           <a:prstGeom prst="rect">
             <a:avLst/>
@@ -4928,7 +5245,7 @@
         </p:nvSpPr>
         <p:spPr>
           <a:xfrm>
-            <a:off x="179512" y="215446"/>
+            <a:off x="251520" y="72008"/>
             <a:ext cx="8784976" cy="1124744"/>
           </a:xfrm>
           <a:prstGeom prst="rect">
@@ -5008,8 +5325,8 @@
         </p:nvSpPr>
         <p:spPr bwMode="auto">
           <a:xfrm>
-            <a:off x="799025" y="1700808"/>
-            <a:ext cx="7545950" cy="1524007"/>
+            <a:off x="611560" y="1161470"/>
+            <a:ext cx="7545950" cy="1893339"/>
           </a:xfrm>
           <a:prstGeom prst="rect">
             <a:avLst/>
@@ -5192,7 +5509,7 @@
               <a:buChar char="•"/>
             </a:pPr>
             <a:r>
-              <a:rPr lang="es-MX" sz="1600" b="1" dirty="0">
+              <a:rPr lang="es-MX" sz="1600" dirty="0">
                 <a:solidFill>
                   <a:schemeClr val="bg2">
                     <a:lumMod val="25000"/>
@@ -5201,7 +5518,7 @@
                 <a:latin typeface="Arial" panose="020B0604020202020204" pitchFamily="34" charset="0"/>
                 <a:cs typeface="Arial" panose="020B0604020202020204" pitchFamily="34" charset="0"/>
               </a:rPr>
-              <a:t>Dirección IP.</a:t>
+              <a:t>Dirección IP</a:t>
             </a:r>
           </a:p>
           <a:p>
@@ -5213,7 +5530,7 @@
               <a:buChar char="•"/>
             </a:pPr>
             <a:r>
-              <a:rPr lang="es-MX" sz="1600" b="1" dirty="0">
+              <a:rPr lang="es-MX" sz="1600" dirty="0">
                 <a:solidFill>
                   <a:schemeClr val="bg2">
                     <a:lumMod val="25000"/>
@@ -5222,7 +5539,7 @@
                 <a:latin typeface="Arial" panose="020B0604020202020204" pitchFamily="34" charset="0"/>
                 <a:cs typeface="Arial" panose="020B0604020202020204" pitchFamily="34" charset="0"/>
               </a:rPr>
-              <a:t>Máscara de subred.</a:t>
+              <a:t>Máscara de subred</a:t>
             </a:r>
           </a:p>
           <a:p>
@@ -5234,7 +5551,7 @@
               <a:buChar char="•"/>
             </a:pPr>
             <a:r>
-              <a:rPr lang="es-MX" sz="1600" b="1" dirty="0">
+              <a:rPr lang="es-MX" sz="1600" dirty="0">
                 <a:solidFill>
                   <a:schemeClr val="bg2">
                     <a:lumMod val="25000"/>
@@ -5243,17 +5560,38 @@
                 <a:latin typeface="Arial" panose="020B0604020202020204" pitchFamily="34" charset="0"/>
                 <a:cs typeface="Arial" panose="020B0604020202020204" pitchFamily="34" charset="0"/>
               </a:rPr>
-              <a:t>Puerta de enlace predeterminada.</a:t>
+              <a:t>Puerta de enlace predeterminada</a:t>
+            </a:r>
+          </a:p>
+          <a:p>
+            <a:pPr marL="285750" indent="-285750" algn="just">
+              <a:lnSpc>
+                <a:spcPct val="150000"/>
+              </a:lnSpc>
+              <a:buFont typeface="Arial" panose="020B0604020202020204" pitchFamily="34" charset="0"/>
+              <a:buChar char="•"/>
+            </a:pPr>
+            <a:r>
+              <a:rPr lang="es-MX" sz="1600" dirty="0">
+                <a:solidFill>
+                  <a:schemeClr val="bg2">
+                    <a:lumMod val="25000"/>
+                  </a:schemeClr>
+                </a:solidFill>
+                <a:latin typeface="Arial" panose="020B0604020202020204" pitchFamily="34" charset="0"/>
+                <a:cs typeface="Arial" panose="020B0604020202020204" pitchFamily="34" charset="0"/>
+              </a:rPr>
+              <a:t>Servidor DNS</a:t>
             </a:r>
           </a:p>
         </p:txBody>
       </p:sp>
       <p:pic>
         <p:nvPicPr>
-          <p:cNvPr id="2" name="Imagen 1">
+          <p:cNvPr id="7" name="Picture 6">
             <a:extLst>
               <a:ext uri="{FF2B5EF4-FFF2-40B4-BE49-F238E27FC236}">
-                <a16:creationId xmlns:a16="http://schemas.microsoft.com/office/drawing/2014/main" id="{4B2E9ABC-D20D-8EC5-AE7D-05F59CF1310E}"/>
+                <a16:creationId xmlns:a16="http://schemas.microsoft.com/office/drawing/2014/main" id="{4F401AC3-FA4E-FABB-475B-45C56732610A}"/>
               </a:ext>
             </a:extLst>
           </p:cNvPr>
@@ -5270,8 +5608,8 @@
         </p:blipFill>
         <p:spPr>
           <a:xfrm>
-            <a:off x="987758" y="3633186"/>
-            <a:ext cx="7357217" cy="2546226"/>
+            <a:off x="43038" y="3105024"/>
+            <a:ext cx="9057924" cy="3049134"/>
           </a:xfrm>
           <a:prstGeom prst="rect">
             <a:avLst/>
@@ -5405,7 +5743,7 @@
         <p:spPr bwMode="auto">
           <a:xfrm>
             <a:off x="625760" y="1196752"/>
-            <a:ext cx="8001000" cy="4894160"/>
+            <a:ext cx="8001000" cy="5048049"/>
           </a:xfrm>
           <a:prstGeom prst="rect">
             <a:avLst/>
@@ -5569,7 +5907,7 @@
               </a:spcAft>
             </a:pPr>
             <a:r>
-              <a:rPr lang="es-MX" sz="1600" b="1" dirty="0" err="1">
+              <a:rPr lang="es-MX" sz="1600" b="1" dirty="0">
                 <a:solidFill>
                   <a:schemeClr val="accent6">
                     <a:lumMod val="75000"/>
@@ -5578,70 +5916,10 @@
                 <a:latin typeface="Arial" panose="020B0604020202020204" pitchFamily="34" charset="0"/>
                 <a:cs typeface="Arial" panose="020B0604020202020204" pitchFamily="34" charset="0"/>
               </a:rPr>
-              <a:t>ip</a:t>
-            </a:r>
-            <a:r>
-              <a:rPr lang="es-MX" sz="1600" b="1" dirty="0">
-                <a:solidFill>
-                  <a:schemeClr val="accent6">
-                    <a:lumMod val="75000"/>
-                  </a:schemeClr>
-                </a:solidFill>
-                <a:latin typeface="Arial" panose="020B0604020202020204" pitchFamily="34" charset="0"/>
-                <a:cs typeface="Arial" panose="020B0604020202020204" pitchFamily="34" charset="0"/>
-              </a:rPr>
-              <a:t> </a:t>
-            </a:r>
-            <a:r>
-              <a:rPr lang="es-MX" sz="1600" b="1" dirty="0" err="1">
-                <a:solidFill>
-                  <a:schemeClr val="accent6">
-                    <a:lumMod val="75000"/>
-                  </a:schemeClr>
-                </a:solidFill>
-                <a:latin typeface="Arial" panose="020B0604020202020204" pitchFamily="34" charset="0"/>
-                <a:cs typeface="Arial" panose="020B0604020202020204" pitchFamily="34" charset="0"/>
-              </a:rPr>
-              <a:t>dhcp</a:t>
-            </a:r>
-            <a:r>
-              <a:rPr lang="es-MX" sz="1600" b="1" dirty="0">
-                <a:solidFill>
-                  <a:schemeClr val="accent6">
-                    <a:lumMod val="75000"/>
-                  </a:schemeClr>
-                </a:solidFill>
-                <a:latin typeface="Arial" panose="020B0604020202020204" pitchFamily="34" charset="0"/>
-                <a:cs typeface="Arial" panose="020B0604020202020204" pitchFamily="34" charset="0"/>
-              </a:rPr>
-              <a:t> </a:t>
-            </a:r>
-            <a:r>
-              <a:rPr lang="es-MX" sz="1600" b="1" dirty="0" err="1">
-                <a:solidFill>
-                  <a:schemeClr val="accent6">
-                    <a:lumMod val="75000"/>
-                  </a:schemeClr>
-                </a:solidFill>
-                <a:latin typeface="Arial" panose="020B0604020202020204" pitchFamily="34" charset="0"/>
-                <a:cs typeface="Arial" panose="020B0604020202020204" pitchFamily="34" charset="0"/>
-              </a:rPr>
-              <a:t>excluded-address</a:t>
-            </a:r>
-            <a:r>
-              <a:rPr lang="es-MX" sz="1600" b="1" dirty="0">
-                <a:solidFill>
-                  <a:schemeClr val="accent6">
-                    <a:lumMod val="75000"/>
-                  </a:schemeClr>
-                </a:solidFill>
-                <a:latin typeface="Arial" panose="020B0604020202020204" pitchFamily="34" charset="0"/>
-                <a:cs typeface="Arial" panose="020B0604020202020204" pitchFamily="34" charset="0"/>
-              </a:rPr>
-              <a:t> </a:t>
-            </a:r>
-            <a:r>
-              <a:rPr lang="es-MX" sz="1600" dirty="0" err="1">
+              <a:t>ip dhcp excluded-address </a:t>
+            </a:r>
+            <a:r>
+              <a:rPr lang="es-MX" sz="1600" dirty="0">
                 <a:solidFill>
                   <a:schemeClr val="bg2">
                     <a:lumMod val="25000"/>
@@ -5650,41 +5928,8 @@
                 <a:latin typeface="Arial" panose="020B0604020202020204" pitchFamily="34" charset="0"/>
                 <a:cs typeface="Arial" panose="020B0604020202020204" pitchFamily="34" charset="0"/>
               </a:rPr>
-              <a:t>Dir_IP_Inicial</a:t>
-            </a:r>
-            <a:r>
-              <a:rPr lang="es-MX" sz="1600" dirty="0">
-                <a:solidFill>
-                  <a:schemeClr val="bg2">
-                    <a:lumMod val="25000"/>
-                  </a:schemeClr>
-                </a:solidFill>
-                <a:latin typeface="Arial" panose="020B0604020202020204" pitchFamily="34" charset="0"/>
-                <a:cs typeface="Arial" panose="020B0604020202020204" pitchFamily="34" charset="0"/>
-              </a:rPr>
-              <a:t> </a:t>
-            </a:r>
-            <a:r>
-              <a:rPr lang="es-MX" sz="1600" dirty="0" err="1">
-                <a:solidFill>
-                  <a:schemeClr val="bg2">
-                    <a:lumMod val="25000"/>
-                  </a:schemeClr>
-                </a:solidFill>
-                <a:latin typeface="Arial" panose="020B0604020202020204" pitchFamily="34" charset="0"/>
-                <a:cs typeface="Arial" panose="020B0604020202020204" pitchFamily="34" charset="0"/>
-              </a:rPr>
-              <a:t>Dir_IP_Final</a:t>
-            </a:r>
-            <a:endParaRPr lang="es-MX" sz="1600" dirty="0">
-              <a:solidFill>
-                <a:schemeClr val="bg2">
-                  <a:lumMod val="25000"/>
-                </a:schemeClr>
-              </a:solidFill>
-              <a:latin typeface="Arial" panose="020B0604020202020204" pitchFamily="34" charset="0"/>
-              <a:cs typeface="Arial" panose="020B0604020202020204" pitchFamily="34" charset="0"/>
-            </a:endParaRPr>
+              <a:t>Dir_IP_Inicial Dir_IP_Final</a:t>
+            </a:r>
           </a:p>
           <a:p>
             <a:pPr marL="342900" indent="-342900">
@@ -5744,7 +5989,7 @@
               </a:lnSpc>
             </a:pPr>
             <a:r>
-              <a:rPr lang="es-MX" sz="1600" b="1" dirty="0" err="1">
+              <a:rPr lang="es-MX" sz="1600" b="1" dirty="0">
                 <a:solidFill>
                   <a:schemeClr val="accent6">
                     <a:lumMod val="75000"/>
@@ -5753,10 +5998,10 @@
                 <a:latin typeface="Arial" panose="020B0604020202020204" pitchFamily="34" charset="0"/>
                 <a:cs typeface="Arial" panose="020B0604020202020204" pitchFamily="34" charset="0"/>
               </a:rPr>
-              <a:t>ip</a:t>
-            </a:r>
-            <a:r>
-              <a:rPr lang="es-MX" sz="1600" b="1" dirty="0">
+              <a:t>ip dhcp pool</a:t>
+            </a:r>
+            <a:r>
+              <a:rPr lang="es-MX" sz="1600" dirty="0">
                 <a:solidFill>
                   <a:schemeClr val="accent6">
                     <a:lumMod val="75000"/>
@@ -5768,43 +6013,7 @@
               <a:t> </a:t>
             </a:r>
             <a:r>
-              <a:rPr lang="es-MX" sz="1600" b="1" dirty="0" err="1">
-                <a:solidFill>
-                  <a:schemeClr val="accent6">
-                    <a:lumMod val="75000"/>
-                  </a:schemeClr>
-                </a:solidFill>
-                <a:latin typeface="Arial" panose="020B0604020202020204" pitchFamily="34" charset="0"/>
-                <a:cs typeface="Arial" panose="020B0604020202020204" pitchFamily="34" charset="0"/>
-              </a:rPr>
-              <a:t>dhcp</a:t>
-            </a:r>
-            <a:r>
               <a:rPr lang="es-MX" sz="1600" b="1" dirty="0">
-                <a:solidFill>
-                  <a:schemeClr val="accent6">
-                    <a:lumMod val="75000"/>
-                  </a:schemeClr>
-                </a:solidFill>
-                <a:latin typeface="Arial" panose="020B0604020202020204" pitchFamily="34" charset="0"/>
-                <a:cs typeface="Arial" panose="020B0604020202020204" pitchFamily="34" charset="0"/>
-              </a:rPr>
-              <a:t> pool</a:t>
-            </a:r>
-            <a:r>
-              <a:rPr lang="es-MX" sz="1600" dirty="0">
-                <a:solidFill>
-                  <a:schemeClr val="accent6">
-                    <a:lumMod val="75000"/>
-                  </a:schemeClr>
-                </a:solidFill>
-                <a:latin typeface="Arial" panose="020B0604020202020204" pitchFamily="34" charset="0"/>
-                <a:cs typeface="Arial" panose="020B0604020202020204" pitchFamily="34" charset="0"/>
-              </a:rPr>
-              <a:t> </a:t>
-            </a:r>
-            <a:r>
-              <a:rPr lang="es-MX" sz="1600" b="1" dirty="0" err="1">
                 <a:solidFill>
                   <a:schemeClr val="bg2">
                     <a:lumMod val="25000"/>
@@ -5815,15 +6024,6 @@
               </a:rPr>
               <a:t>NombrePool</a:t>
             </a:r>
-            <a:endParaRPr lang="es-MX" sz="1600" b="1" dirty="0">
-              <a:solidFill>
-                <a:schemeClr val="bg2">
-                  <a:lumMod val="25000"/>
-                </a:schemeClr>
-              </a:solidFill>
-              <a:latin typeface="Arial" panose="020B0604020202020204" pitchFamily="34" charset="0"/>
-              <a:cs typeface="Arial" panose="020B0604020202020204" pitchFamily="34" charset="0"/>
-            </a:endParaRPr>
           </a:p>
           <a:p>
             <a:pPr lvl="1">
@@ -5832,7 +6032,7 @@
               </a:lnSpc>
             </a:pPr>
             <a:r>
-              <a:rPr lang="es-MX" sz="1600" b="1" dirty="0" err="1">
+              <a:rPr lang="es-MX" sz="1600" b="1" dirty="0">
                 <a:solidFill>
                   <a:schemeClr val="accent6">
                     <a:lumMod val="75000"/>
@@ -5841,22 +6041,10 @@
                 <a:latin typeface="Arial" panose="020B0604020202020204" pitchFamily="34" charset="0"/>
                 <a:cs typeface="Arial" panose="020B0604020202020204" pitchFamily="34" charset="0"/>
               </a:rPr>
-              <a:t>network</a:t>
-            </a:r>
-            <a:r>
-              <a:rPr lang="es-MX" sz="1600" b="1" dirty="0">
-                <a:solidFill>
-                  <a:schemeClr val="accent6">
-                    <a:lumMod val="75000"/>
-                  </a:schemeClr>
-                </a:solidFill>
-                <a:latin typeface="Arial" panose="020B0604020202020204" pitchFamily="34" charset="0"/>
-                <a:cs typeface="Arial" panose="020B0604020202020204" pitchFamily="34" charset="0"/>
-              </a:rPr>
-              <a:t> </a:t>
-            </a:r>
-            <a:r>
-              <a:rPr lang="es-MX" sz="1600" dirty="0" err="1">
+              <a:t>network </a:t>
+            </a:r>
+            <a:r>
+              <a:rPr lang="es-MX" sz="1600" dirty="0">
                 <a:solidFill>
                   <a:schemeClr val="bg2">
                     <a:lumMod val="25000"/>
@@ -5865,19 +6053,7 @@
                 <a:latin typeface="Arial" panose="020B0604020202020204" pitchFamily="34" charset="0"/>
                 <a:cs typeface="Arial" panose="020B0604020202020204" pitchFamily="34" charset="0"/>
               </a:rPr>
-              <a:t>dirIP_inicial</a:t>
-            </a:r>
-            <a:r>
-              <a:rPr lang="es-MX" sz="1600" dirty="0">
-                <a:solidFill>
-                  <a:schemeClr val="bg2">
-                    <a:lumMod val="25000"/>
-                  </a:schemeClr>
-                </a:solidFill>
-                <a:latin typeface="Arial" panose="020B0604020202020204" pitchFamily="34" charset="0"/>
-                <a:cs typeface="Arial" panose="020B0604020202020204" pitchFamily="34" charset="0"/>
-              </a:rPr>
-              <a:t> Máscara de subred</a:t>
+              <a:t>dirIP_inicial Máscara de subred</a:t>
             </a:r>
           </a:p>
           <a:p>
@@ -5926,10 +6102,10 @@
                 <a:latin typeface="Arial" panose="020B0604020202020204" pitchFamily="34" charset="0"/>
                 <a:cs typeface="Arial" panose="020B0604020202020204" pitchFamily="34" charset="0"/>
               </a:rPr>
-              <a:t>default-</a:t>
-            </a:r>
-            <a:r>
-              <a:rPr lang="es-MX" sz="1600" b="1" dirty="0" err="1">
+              <a:t>default-router</a:t>
+            </a:r>
+            <a:r>
+              <a:rPr lang="es-MX" sz="1600" dirty="0">
                 <a:solidFill>
                   <a:schemeClr val="accent6">
                     <a:lumMod val="75000"/>
@@ -5938,22 +6114,10 @@
                 <a:latin typeface="Arial" panose="020B0604020202020204" pitchFamily="34" charset="0"/>
                 <a:cs typeface="Arial" panose="020B0604020202020204" pitchFamily="34" charset="0"/>
               </a:rPr>
-              <a:t>router</a:t>
+              <a:t> </a:t>
             </a:r>
             <a:r>
               <a:rPr lang="es-MX" sz="1600" dirty="0">
-                <a:solidFill>
-                  <a:schemeClr val="accent6">
-                    <a:lumMod val="75000"/>
-                  </a:schemeClr>
-                </a:solidFill>
-                <a:latin typeface="Arial" panose="020B0604020202020204" pitchFamily="34" charset="0"/>
-                <a:cs typeface="Arial" panose="020B0604020202020204" pitchFamily="34" charset="0"/>
-              </a:rPr>
-              <a:t> </a:t>
-            </a:r>
-            <a:r>
-              <a:rPr lang="es-MX" sz="1600" dirty="0" err="1">
                 <a:solidFill>
                   <a:schemeClr val="bg2">
                     <a:lumMod val="25000"/>
@@ -5964,52 +6128,67 @@
               </a:rPr>
               <a:t>dirIP</a:t>
             </a:r>
-            <a:endParaRPr lang="es-MX" sz="1600" dirty="0">
-              <a:solidFill>
-                <a:schemeClr val="bg2">
-                  <a:lumMod val="25000"/>
-                </a:schemeClr>
-              </a:solidFill>
-              <a:latin typeface="Arial" panose="020B0604020202020204" pitchFamily="34" charset="0"/>
-              <a:cs typeface="Arial" panose="020B0604020202020204" pitchFamily="34" charset="0"/>
-            </a:endParaRPr>
-          </a:p>
-          <a:p>
-            <a:pPr marL="342900" indent="-342900">
+          </a:p>
+          <a:p>
+            <a:pPr marL="342900" lvl="1" indent="-342900">
+              <a:lnSpc>
+                <a:spcPct val="150000"/>
+              </a:lnSpc>
+              <a:spcBef>
+                <a:spcPts val="1200"/>
+              </a:spcBef>
+              <a:spcAft>
+                <a:spcPts val="1200"/>
+              </a:spcAft>
+              <a:buFont typeface="+mj-lt"/>
+              <a:buAutoNum type="arabicPeriod" startAt="4"/>
+            </a:pPr>
+            <a:r>
+              <a:rPr lang="es-MX" sz="1600" dirty="0">
+                <a:solidFill>
+                  <a:schemeClr val="bg2">
+                    <a:lumMod val="25000"/>
+                  </a:schemeClr>
+                </a:solidFill>
+                <a:latin typeface="Arial" panose="020B0604020202020204" pitchFamily="34" charset="0"/>
+                <a:cs typeface="Arial" panose="020B0604020202020204" pitchFamily="34" charset="0"/>
+              </a:rPr>
+              <a:t>Establecer el servidor dns:</a:t>
+            </a:r>
+          </a:p>
+          <a:p>
+            <a:pPr lvl="1">
               <a:lnSpc>
                 <a:spcPct val="150000"/>
               </a:lnSpc>
               <a:spcAft>
                 <a:spcPts val="1200"/>
               </a:spcAft>
-              <a:buFont typeface="+mj-lt"/>
-              <a:buAutoNum type="arabicPeriod" startAt="2"/>
             </a:pPr>
-            <a:endParaRPr lang="es-MX" sz="1600" dirty="0">
-              <a:solidFill>
-                <a:schemeClr val="bg2">
-                  <a:lumMod val="25000"/>
-                </a:schemeClr>
-              </a:solidFill>
-              <a:latin typeface="Arial" panose="020B0604020202020204" pitchFamily="34" charset="0"/>
-              <a:cs typeface="Arial" panose="020B0604020202020204" pitchFamily="34" charset="0"/>
-            </a:endParaRPr>
-          </a:p>
-          <a:p>
-            <a:pPr lvl="1">
-              <a:lnSpc>
-                <a:spcPct val="150000"/>
-              </a:lnSpc>
-            </a:pPr>
-            <a:endParaRPr lang="es-MX" sz="1600" dirty="0">
-              <a:solidFill>
-                <a:schemeClr val="bg2">
-                  <a:lumMod val="25000"/>
-                </a:schemeClr>
-              </a:solidFill>
-              <a:latin typeface="Arial" panose="020B0604020202020204" pitchFamily="34" charset="0"/>
-              <a:cs typeface="Arial" panose="020B0604020202020204" pitchFamily="34" charset="0"/>
-            </a:endParaRPr>
+            <a:r>
+              <a:rPr lang="es-MX" sz="1600" b="1" dirty="0">
+                <a:solidFill>
+                  <a:schemeClr val="accent6">
+                    <a:lumMod val="75000"/>
+                  </a:schemeClr>
+                </a:solidFill>
+                <a:latin typeface="Arial" panose="020B0604020202020204" pitchFamily="34" charset="0"/>
+                <a:cs typeface="Arial" panose="020B0604020202020204" pitchFamily="34" charset="0"/>
+              </a:rPr>
+              <a:t>dns-server</a:t>
+            </a:r>
+            <a:r>
+              <a:rPr lang="es-MX" sz="1600" dirty="0">
+                <a:solidFill>
+                  <a:schemeClr val="bg2">
+                    <a:lumMod val="25000"/>
+                  </a:schemeClr>
+                </a:solidFill>
+                <a:latin typeface="Arial" panose="020B0604020202020204" pitchFamily="34" charset="0"/>
+                <a:cs typeface="Arial" panose="020B0604020202020204" pitchFamily="34" charset="0"/>
+              </a:rPr>
+              <a:t> dirIP-Server</a:t>
+            </a:r>
           </a:p>
         </p:txBody>
       </p:sp>
@@ -6024,7 +6203,7 @@
         <p:spPr>
           <a:xfrm>
             <a:off x="144016" y="53752"/>
-            <a:ext cx="8964488" cy="1143000"/>
+            <a:ext cx="8820472" cy="1143000"/>
           </a:xfrm>
           <a:prstGeom prst="rect">
             <a:avLst/>
@@ -6082,7 +6261,7 @@
                 </a:effectLst>
                 <a:latin typeface="Dom Casual" charset="0"/>
               </a:rPr>
-              <a:t>Configuración mínima de un servicio DHCP</a:t>
+              <a:t>Configuración de un servicio DHCP</a:t>
             </a:r>
           </a:p>
         </p:txBody>
@@ -6195,6 +6374,36 @@
           <a:chExt cx="0" cy="0"/>
         </a:xfrm>
       </p:grpSpPr>
+      <p:pic>
+        <p:nvPicPr>
+          <p:cNvPr id="6" name="Picture 5">
+            <a:extLst>
+              <a:ext uri="{FF2B5EF4-FFF2-40B4-BE49-F238E27FC236}">
+                <a16:creationId xmlns:a16="http://schemas.microsoft.com/office/drawing/2014/main" id="{904D45F3-C05D-5FD5-7AF9-3537403563F7}"/>
+              </a:ext>
+            </a:extLst>
+          </p:cNvPr>
+          <p:cNvPicPr>
+            <a:picLocks noChangeAspect="1"/>
+          </p:cNvPicPr>
+          <p:nvPr/>
+        </p:nvPicPr>
+        <p:blipFill>
+          <a:blip r:embed="rId2"/>
+          <a:stretch>
+            <a:fillRect/>
+          </a:stretch>
+        </p:blipFill>
+        <p:spPr>
+          <a:xfrm>
+            <a:off x="89756" y="3180519"/>
+            <a:ext cx="8964488" cy="3017681"/>
+          </a:xfrm>
+          <a:prstGeom prst="rect">
+            <a:avLst/>
+          </a:prstGeom>
+        </p:spPr>
+      </p:pic>
       <p:sp>
         <p:nvSpPr>
           <p:cNvPr id="8" name="Rectangle 2"/>
@@ -6264,41 +6473,11 @@
                 </a:effectLst>
                 <a:latin typeface="Dom Casual" charset="0"/>
               </a:rPr>
-              <a:t>Configuración de NAT</a:t>
+              <a:t>Configuración de ruteo estático</a:t>
             </a:r>
           </a:p>
         </p:txBody>
       </p:sp>
-      <p:pic>
-        <p:nvPicPr>
-          <p:cNvPr id="4" name="Imagen 3">
-            <a:extLst>
-              <a:ext uri="{FF2B5EF4-FFF2-40B4-BE49-F238E27FC236}">
-                <a16:creationId xmlns:a16="http://schemas.microsoft.com/office/drawing/2014/main" id="{FC94FCC6-5EF6-261E-BB18-C4E4637B4303}"/>
-              </a:ext>
-            </a:extLst>
-          </p:cNvPr>
-          <p:cNvPicPr>
-            <a:picLocks noChangeAspect="1"/>
-          </p:cNvPicPr>
-          <p:nvPr/>
-        </p:nvPicPr>
-        <p:blipFill>
-          <a:blip r:embed="rId2"/>
-          <a:stretch>
-            <a:fillRect/>
-          </a:stretch>
-        </p:blipFill>
-        <p:spPr>
-          <a:xfrm>
-            <a:off x="557808" y="3861048"/>
-            <a:ext cx="8028384" cy="2778507"/>
-          </a:xfrm>
-          <a:prstGeom prst="rect">
-            <a:avLst/>
-          </a:prstGeom>
-        </p:spPr>
-      </p:pic>
       <p:sp>
         <p:nvSpPr>
           <p:cNvPr id="5" name="7 CuadroTexto">
@@ -6315,8 +6494,8 @@
         </p:nvSpPr>
         <p:spPr bwMode="auto">
           <a:xfrm>
-            <a:off x="458670" y="1052736"/>
-            <a:ext cx="8226660" cy="2632003"/>
+            <a:off x="211297" y="908720"/>
+            <a:ext cx="8640960" cy="2262671"/>
           </a:xfrm>
           <a:prstGeom prst="rect">
             <a:avLst/>
@@ -6448,109 +6627,28 @@
             </a:lvl9pPr>
           </a:lstStyle>
           <a:p>
-            <a:pPr marL="342900" indent="-342900" algn="just">
+            <a:pPr algn="just">
               <a:lnSpc>
                 <a:spcPct val="150000"/>
               </a:lnSpc>
-              <a:buFont typeface="+mj-lt"/>
-              <a:buAutoNum type="arabicPeriod"/>
             </a:pPr>
             <a:r>
               <a:rPr lang="es-MX" sz="1600" dirty="0">
-                <a:solidFill>
-                  <a:schemeClr val="bg2">
-                    <a:lumMod val="25000"/>
-                  </a:schemeClr>
-                </a:solidFill>
-                <a:latin typeface="Arial" panose="020B0604020202020204" pitchFamily="34" charset="0"/>
-                <a:cs typeface="Arial" panose="020B0604020202020204" pitchFamily="34" charset="0"/>
-              </a:rPr>
-              <a:t>Probar conectividad interna y externa.</a:t>
+                <a:latin typeface="Arial" panose="020B0604020202020204" pitchFamily="34" charset="0"/>
+                <a:cs typeface="Arial" panose="020B0604020202020204" pitchFamily="34" charset="0"/>
+              </a:rPr>
+              <a:t>En el </a:t>
+            </a:r>
+            <a:r>
+              <a:rPr lang="es-MX" sz="1600" b="1" dirty="0">
+                <a:latin typeface="Arial" panose="020B0604020202020204" pitchFamily="34" charset="0"/>
+                <a:cs typeface="Arial" panose="020B0604020202020204" pitchFamily="34" charset="0"/>
+              </a:rPr>
+              <a:t>ISP-ALESTRA</a:t>
             </a:r>
           </a:p>
           <a:p>
             <a:pPr marL="342900" indent="-342900" algn="just">
-              <a:lnSpc>
-                <a:spcPct val="150000"/>
-              </a:lnSpc>
-              <a:buFont typeface="+mj-lt"/>
-              <a:buAutoNum type="arabicPeriod"/>
-            </a:pPr>
-            <a:r>
-              <a:rPr lang="es-MX" sz="1600" b="1" dirty="0">
-                <a:solidFill>
-                  <a:schemeClr val="accent5">
-                    <a:lumMod val="75000"/>
-                  </a:schemeClr>
-                </a:solidFill>
-                <a:latin typeface="Arial" panose="020B0604020202020204" pitchFamily="34" charset="0"/>
-                <a:cs typeface="Arial" panose="020B0604020202020204" pitchFamily="34" charset="0"/>
-              </a:rPr>
-              <a:t>Configurar el servicio de NAT. </a:t>
-            </a:r>
-            <a:r>
-              <a:rPr lang="es-MX" sz="1600" dirty="0">
-                <a:solidFill>
-                  <a:schemeClr val="bg2">
-                    <a:lumMod val="25000"/>
-                  </a:schemeClr>
-                </a:solidFill>
-                <a:latin typeface="Arial" panose="020B0604020202020204" pitchFamily="34" charset="0"/>
-                <a:cs typeface="Arial" panose="020B0604020202020204" pitchFamily="34" charset="0"/>
-              </a:rPr>
-              <a:t>¿Cómo conectar direcciones </a:t>
-            </a:r>
-            <a:r>
-              <a:rPr lang="es-MX" sz="1600" b="1" dirty="0">
-                <a:solidFill>
-                  <a:schemeClr val="bg2">
-                    <a:lumMod val="25000"/>
-                  </a:schemeClr>
-                </a:solidFill>
-                <a:latin typeface="Arial" panose="020B0604020202020204" pitchFamily="34" charset="0"/>
-                <a:cs typeface="Arial" panose="020B0604020202020204" pitchFamily="34" charset="0"/>
-              </a:rPr>
-              <a:t>IP privadas </a:t>
-            </a:r>
-            <a:r>
-              <a:rPr lang="es-MX" sz="1600" dirty="0">
-                <a:solidFill>
-                  <a:schemeClr val="bg2">
-                    <a:lumMod val="25000"/>
-                  </a:schemeClr>
-                </a:solidFill>
-                <a:latin typeface="Arial" panose="020B0604020202020204" pitchFamily="34" charset="0"/>
-                <a:cs typeface="Arial" panose="020B0604020202020204" pitchFamily="34" charset="0"/>
-              </a:rPr>
-              <a:t>con direcciones </a:t>
-            </a:r>
-            <a:r>
-              <a:rPr lang="es-MX" sz="1600" b="1" dirty="0">
-                <a:solidFill>
-                  <a:schemeClr val="bg2">
-                    <a:lumMod val="25000"/>
-                  </a:schemeClr>
-                </a:solidFill>
-                <a:latin typeface="Arial" panose="020B0604020202020204" pitchFamily="34" charset="0"/>
-                <a:cs typeface="Arial" panose="020B0604020202020204" pitchFamily="34" charset="0"/>
-              </a:rPr>
-              <a:t>IP públicas</a:t>
-            </a:r>
-            <a:r>
-              <a:rPr lang="es-MX" sz="1600" dirty="0">
-                <a:solidFill>
-                  <a:schemeClr val="bg2">
-                    <a:lumMod val="25000"/>
-                  </a:schemeClr>
-                </a:solidFill>
-                <a:latin typeface="Arial" panose="020B0604020202020204" pitchFamily="34" charset="0"/>
-                <a:cs typeface="Arial" panose="020B0604020202020204" pitchFamily="34" charset="0"/>
-              </a:rPr>
-              <a:t>?</a:t>
-            </a:r>
-          </a:p>
-          <a:p>
-            <a:pPr lvl="1" algn="just">
               <a:lnSpc>
                 <a:spcPct val="150000"/>
               </a:lnSpc>
@@ -6558,19 +6656,14 @@
               <a:buChar char="•"/>
             </a:pPr>
             <a:r>
-              <a:rPr lang="es-ES" sz="1600" dirty="0">
-                <a:solidFill>
-                  <a:schemeClr val="bg2">
-                    <a:lumMod val="25000"/>
-                  </a:schemeClr>
-                </a:solidFill>
-                <a:latin typeface="Arial" panose="020B0604020202020204" pitchFamily="34" charset="0"/>
-                <a:cs typeface="Arial" panose="020B0604020202020204" pitchFamily="34" charset="0"/>
-              </a:rPr>
-              <a:t>Configuraremos el servicio de NAT con una </a:t>
-            </a:r>
-            <a:r>
-              <a:rPr lang="es-ES" sz="1600" b="1" dirty="0">
+              <a:rPr lang="es-MX" sz="1600" dirty="0">
+                <a:latin typeface="Arial" panose="020B0604020202020204" pitchFamily="34" charset="0"/>
+                <a:cs typeface="Arial" panose="020B0604020202020204" pitchFamily="34" charset="0"/>
+              </a:rPr>
+              <a:t>Configura </a:t>
+            </a:r>
+            <a:r>
+              <a:rPr lang="es-MX" sz="1600" b="1" dirty="0">
                 <a:solidFill>
                   <a:schemeClr val="accent6">
                     <a:lumMod val="75000"/>
@@ -6579,23 +6672,39 @@
                 <a:latin typeface="Arial" panose="020B0604020202020204" pitchFamily="34" charset="0"/>
                 <a:cs typeface="Arial" panose="020B0604020202020204" pitchFamily="34" charset="0"/>
               </a:rPr>
-              <a:t>lista de control de acceso </a:t>
-            </a:r>
-            <a:r>
-              <a:rPr lang="es-ES" sz="1600" dirty="0">
-                <a:solidFill>
-                  <a:schemeClr val="bg2">
-                    <a:lumMod val="25000"/>
-                  </a:schemeClr>
-                </a:solidFill>
-                <a:latin typeface="Arial" panose="020B0604020202020204" pitchFamily="34" charset="0"/>
-                <a:cs typeface="Arial" panose="020B0604020202020204" pitchFamily="34" charset="0"/>
-              </a:rPr>
-              <a:t>que permita que todos los usuarios de la red local salir al exterior.</a:t>
-            </a:r>
-          </a:p>
-          <a:p>
-            <a:pPr lvl="1" algn="just">
+              <a:t>rutas estáticas </a:t>
+            </a:r>
+            <a:r>
+              <a:rPr lang="es-MX" sz="1600" dirty="0">
+                <a:latin typeface="Arial" panose="020B0604020202020204" pitchFamily="34" charset="0"/>
+                <a:cs typeface="Arial" panose="020B0604020202020204" pitchFamily="34" charset="0"/>
+              </a:rPr>
+              <a:t>hacia las redes </a:t>
+            </a:r>
+            <a:r>
+              <a:rPr lang="es-MX" sz="1600" b="1" dirty="0">
+                <a:latin typeface="Arial" panose="020B0604020202020204" pitchFamily="34" charset="0"/>
+                <a:cs typeface="Arial" panose="020B0604020202020204" pitchFamily="34" charset="0"/>
+              </a:rPr>
+              <a:t>verde</a:t>
+            </a:r>
+            <a:r>
+              <a:rPr lang="es-MX" sz="1600" dirty="0">
+                <a:latin typeface="Arial" panose="020B0604020202020204" pitchFamily="34" charset="0"/>
+                <a:cs typeface="Arial" panose="020B0604020202020204" pitchFamily="34" charset="0"/>
+              </a:rPr>
+              <a:t> y </a:t>
+            </a:r>
+            <a:r>
+              <a:rPr lang="es-MX" sz="1600" b="1" dirty="0">
+                <a:latin typeface="Arial" panose="020B0604020202020204" pitchFamily="34" charset="0"/>
+                <a:cs typeface="Arial" panose="020B0604020202020204" pitchFamily="34" charset="0"/>
+              </a:rPr>
+              <a:t>amarilla</a:t>
+            </a:r>
+          </a:p>
+          <a:p>
+            <a:pPr marL="342900" indent="-342900" algn="just">
               <a:lnSpc>
                 <a:spcPct val="150000"/>
               </a:lnSpc>
@@ -6603,19 +6712,75 @@
               <a:buChar char="•"/>
             </a:pPr>
             <a:r>
-              <a:rPr lang="es-ES" sz="1600" dirty="0">
-                <a:solidFill>
-                  <a:schemeClr val="bg2">
-                    <a:lumMod val="25000"/>
-                  </a:schemeClr>
-                </a:solidFill>
-                <a:latin typeface="Arial" panose="020B0604020202020204" pitchFamily="34" charset="0"/>
-                <a:cs typeface="Arial" panose="020B0604020202020204" pitchFamily="34" charset="0"/>
-              </a:rPr>
-              <a:t>Instalaremos el servicio de NAT utilizando el POOL de las siguientes direcciones IP públicas: </a:t>
-            </a:r>
-            <a:r>
-              <a:rPr lang="es-ES" sz="1600" b="1" dirty="0">
+              <a:rPr lang="es-MX" sz="1600" dirty="0">
+                <a:latin typeface="Arial" panose="020B0604020202020204" pitchFamily="34" charset="0"/>
+                <a:cs typeface="Arial" panose="020B0604020202020204" pitchFamily="34" charset="0"/>
+              </a:rPr>
+              <a:t>Configurar una </a:t>
+            </a:r>
+            <a:r>
+              <a:rPr lang="es-MX" sz="1600" b="1" dirty="0">
+                <a:latin typeface="Arial" panose="020B0604020202020204" pitchFamily="34" charset="0"/>
+                <a:cs typeface="Arial" panose="020B0604020202020204" pitchFamily="34" charset="0"/>
+              </a:rPr>
+              <a:t>ruta estática </a:t>
+            </a:r>
+            <a:r>
+              <a:rPr lang="es-MX" sz="1600" dirty="0">
+                <a:latin typeface="Arial" panose="020B0604020202020204" pitchFamily="34" charset="0"/>
+                <a:cs typeface="Arial" panose="020B0604020202020204" pitchFamily="34" charset="0"/>
+              </a:rPr>
+              <a:t>del next-hop o recursiva a su puerta de enlace en RB utilizando el rango de direcciones de red pública asignado </a:t>
+            </a:r>
+            <a:r>
+              <a:rPr lang="es-MX" sz="1600" b="1" dirty="0">
+                <a:solidFill>
+                  <a:srgbClr val="FF0000"/>
+                </a:solidFill>
+                <a:latin typeface="Arial" panose="020B0604020202020204" pitchFamily="34" charset="0"/>
+                <a:cs typeface="Arial" panose="020B0604020202020204" pitchFamily="34" charset="0"/>
+              </a:rPr>
+              <a:t>170.15.9.32 /27</a:t>
+            </a:r>
+          </a:p>
+          <a:p>
+            <a:pPr marL="0" lvl="1" indent="0" algn="just">
+              <a:lnSpc>
+                <a:spcPct val="150000"/>
+              </a:lnSpc>
+            </a:pPr>
+            <a:r>
+              <a:rPr lang="es-MX" sz="1600" dirty="0">
+                <a:latin typeface="Arial" panose="020B0604020202020204" pitchFamily="34" charset="0"/>
+                <a:cs typeface="Arial" panose="020B0604020202020204" pitchFamily="34" charset="0"/>
+              </a:rPr>
+              <a:t>En el ruteador </a:t>
+            </a:r>
+            <a:r>
+              <a:rPr lang="es-MX" sz="1600" b="1" dirty="0">
+                <a:latin typeface="Arial" panose="020B0604020202020204" pitchFamily="34" charset="0"/>
+                <a:cs typeface="Arial" panose="020B0604020202020204" pitchFamily="34" charset="0"/>
+              </a:rPr>
+              <a:t>RB</a:t>
+            </a:r>
+          </a:p>
+          <a:p>
+            <a:pPr marL="342900" lvl="1" indent="-342900" algn="just">
+              <a:lnSpc>
+                <a:spcPct val="150000"/>
+              </a:lnSpc>
+              <a:buFont typeface="Arial" panose="020B0604020202020204" pitchFamily="34" charset="0"/>
+              <a:buChar char="•"/>
+            </a:pPr>
+            <a:r>
+              <a:rPr lang="es-MX" sz="1600" dirty="0">
+                <a:latin typeface="Arial" panose="020B0604020202020204" pitchFamily="34" charset="0"/>
+                <a:cs typeface="Arial" panose="020B0604020202020204" pitchFamily="34" charset="0"/>
+              </a:rPr>
+              <a:t>Configure una </a:t>
+            </a:r>
+            <a:r>
+              <a:rPr lang="es-MX" sz="1600" b="1" dirty="0">
                 <a:solidFill>
                   <a:schemeClr val="accent6">
                     <a:lumMod val="75000"/>
@@ -6624,24 +6789,29 @@
                 <a:latin typeface="Arial" panose="020B0604020202020204" pitchFamily="34" charset="0"/>
                 <a:cs typeface="Arial" panose="020B0604020202020204" pitchFamily="34" charset="0"/>
               </a:rPr>
-              <a:t>65.10.8.64 /27</a:t>
-            </a:r>
-            <a:endParaRPr lang="es-MX" sz="1600" b="1" dirty="0">
-              <a:solidFill>
-                <a:schemeClr val="accent6">
-                  <a:lumMod val="75000"/>
-                </a:schemeClr>
-              </a:solidFill>
-              <a:latin typeface="Arial" panose="020B0604020202020204" pitchFamily="34" charset="0"/>
-              <a:cs typeface="Arial" panose="020B0604020202020204" pitchFamily="34" charset="0"/>
-            </a:endParaRPr>
+              <a:t>ruta por default </a:t>
+            </a:r>
+            <a:r>
+              <a:rPr lang="es-MX" sz="1600" dirty="0">
+                <a:latin typeface="Arial" panose="020B0604020202020204" pitchFamily="34" charset="0"/>
+                <a:cs typeface="Arial" panose="020B0604020202020204" pitchFamily="34" charset="0"/>
+              </a:rPr>
+              <a:t>hacia el </a:t>
+            </a:r>
+            <a:r>
+              <a:rPr lang="es-MX" sz="1600" b="1" dirty="0">
+                <a:latin typeface="Arial" panose="020B0604020202020204" pitchFamily="34" charset="0"/>
+                <a:cs typeface="Arial" panose="020B0604020202020204" pitchFamily="34" charset="0"/>
+              </a:rPr>
+              <a:t>ISP</a:t>
+            </a:r>
           </a:p>
         </p:txBody>
       </p:sp>
     </p:spTree>
     <p:extLst>
       <p:ext uri="{BB962C8B-B14F-4D97-AF65-F5344CB8AC3E}">
-        <p14:creationId xmlns:p14="http://schemas.microsoft.com/office/powerpoint/2010/main" val="1051847141"/>
+        <p14:creationId xmlns:p14="http://schemas.microsoft.com/office/powerpoint/2010/main" val="753596791"/>
       </p:ext>
     </p:extLst>
   </p:cSld>
@@ -6754,6 +6924,36 @@
           <a:chExt cx="0" cy="0"/>
         </a:xfrm>
       </p:grpSpPr>
+      <p:pic>
+        <p:nvPicPr>
+          <p:cNvPr id="7" name="Picture 6">
+            <a:extLst>
+              <a:ext uri="{FF2B5EF4-FFF2-40B4-BE49-F238E27FC236}">
+                <a16:creationId xmlns:a16="http://schemas.microsoft.com/office/drawing/2014/main" id="{CCEB6630-D58C-6172-1454-71F2EACDFAF4}"/>
+              </a:ext>
+            </a:extLst>
+          </p:cNvPr>
+          <p:cNvPicPr>
+            <a:picLocks noChangeAspect="1"/>
+          </p:cNvPicPr>
+          <p:nvPr/>
+        </p:nvPicPr>
+        <p:blipFill>
+          <a:blip r:embed="rId2"/>
+          <a:stretch>
+            <a:fillRect/>
+          </a:stretch>
+        </p:blipFill>
+        <p:spPr>
+          <a:xfrm>
+            <a:off x="107504" y="3140968"/>
+            <a:ext cx="9036496" cy="3041920"/>
+          </a:xfrm>
+          <a:prstGeom prst="rect">
+            <a:avLst/>
+          </a:prstGeom>
+        </p:spPr>
+      </p:pic>
       <p:sp>
         <p:nvSpPr>
           <p:cNvPr id="8" name="Rectangle 2"/>
@@ -6823,17 +7023,17 @@
                 </a:effectLst>
                 <a:latin typeface="Dom Casual" charset="0"/>
               </a:rPr>
-              <a:t>Diseño de POOL de NAT</a:t>
+              <a:t>Configuración de NAT estático</a:t>
             </a:r>
           </a:p>
         </p:txBody>
       </p:sp>
       <p:sp>
         <p:nvSpPr>
-          <p:cNvPr id="4" name="7 CuadroTexto">
+          <p:cNvPr id="5" name="7 CuadroTexto">
             <a:extLst>
               <a:ext uri="{FF2B5EF4-FFF2-40B4-BE49-F238E27FC236}">
-                <a16:creationId xmlns:a16="http://schemas.microsoft.com/office/drawing/2014/main" id="{B35E1129-13F4-492E-ACBD-2E62828C8B8A}"/>
+                <a16:creationId xmlns:a16="http://schemas.microsoft.com/office/drawing/2014/main" id="{53A6B150-9682-60C5-EAF4-78F92F3DC7EE}"/>
               </a:ext>
             </a:extLst>
           </p:cNvPr>
@@ -6844,8 +7044,8 @@
         </p:nvSpPr>
         <p:spPr bwMode="auto">
           <a:xfrm>
-            <a:off x="-108520" y="1146552"/>
-            <a:ext cx="7475013" cy="612412"/>
+            <a:off x="323528" y="1186186"/>
+            <a:ext cx="8280920" cy="1893339"/>
           </a:xfrm>
           <a:prstGeom prst="rect">
             <a:avLst/>
@@ -6977,10 +7177,12 @@
             </a:lvl9pPr>
           </a:lstStyle>
           <a:p>
-            <a:pPr algn="ctr">
+            <a:pPr marL="342900" indent="-342900" algn="just">
               <a:lnSpc>
-                <a:spcPct val="200000"/>
+                <a:spcPct val="150000"/>
               </a:lnSpc>
+              <a:buFont typeface="+mj-lt"/>
+              <a:buAutoNum type="arabicPeriod"/>
             </a:pPr>
             <a:r>
               <a:rPr lang="es-MX" sz="1600" dirty="0">
@@ -6992,10 +7194,31 @@
                 <a:latin typeface="Arial" panose="020B0604020202020204" pitchFamily="34" charset="0"/>
                 <a:cs typeface="Arial" panose="020B0604020202020204" pitchFamily="34" charset="0"/>
               </a:rPr>
-              <a:t>Se nos asignaron las direcciones IP públicas: </a:t>
-            </a:r>
-            <a:r>
-              <a:rPr lang="es-MX" sz="2000" b="1" dirty="0">
+              <a:t>Probar conectividad interna y externa.</a:t>
+            </a:r>
+          </a:p>
+          <a:p>
+            <a:pPr marL="342900" indent="-342900" algn="just">
+              <a:lnSpc>
+                <a:spcPct val="150000"/>
+              </a:lnSpc>
+              <a:buFont typeface="+mj-lt"/>
+              <a:buAutoNum type="arabicPeriod"/>
+            </a:pPr>
+            <a:r>
+              <a:rPr lang="es-MX" sz="1600" dirty="0">
+                <a:solidFill>
+                  <a:schemeClr val="bg2">
+                    <a:lumMod val="25000"/>
+                  </a:schemeClr>
+                </a:solidFill>
+                <a:latin typeface="Arial" panose="020B0604020202020204" pitchFamily="34" charset="0"/>
+                <a:cs typeface="Arial" panose="020B0604020202020204" pitchFamily="34" charset="0"/>
+              </a:rPr>
+              <a:t>Configurar el </a:t>
+            </a:r>
+            <a:r>
+              <a:rPr lang="es-MX" sz="1600" b="1" dirty="0">
                 <a:solidFill>
                   <a:schemeClr val="accent6">
                     <a:lumMod val="75000"/>
@@ -7004,368 +7227,96 @@
                 <a:latin typeface="Arial" panose="020B0604020202020204" pitchFamily="34" charset="0"/>
                 <a:cs typeface="Arial" panose="020B0604020202020204" pitchFamily="34" charset="0"/>
               </a:rPr>
-              <a:t>65.10.8.64 /27</a:t>
-            </a:r>
+              <a:t>servicio de NAT estático</a:t>
+            </a:r>
+            <a:r>
+              <a:rPr lang="es-MX" sz="1600" dirty="0">
+                <a:latin typeface="Arial" panose="020B0604020202020204" pitchFamily="34" charset="0"/>
+                <a:cs typeface="Arial" panose="020B0604020202020204" pitchFamily="34" charset="0"/>
+              </a:rPr>
+              <a:t> para el servidor del </a:t>
+            </a:r>
+            <a:r>
+              <a:rPr lang="es-MX" sz="1600" dirty="0" err="1">
+                <a:latin typeface="Arial" panose="020B0604020202020204" pitchFamily="34" charset="0"/>
+                <a:cs typeface="Arial" panose="020B0604020202020204" pitchFamily="34" charset="0"/>
+              </a:rPr>
+              <a:t>tec</a:t>
+            </a:r>
+            <a:r>
+              <a:rPr lang="es-MX" sz="1600" dirty="0">
+                <a:solidFill>
+                  <a:schemeClr val="bg2">
+                    <a:lumMod val="25000"/>
+                  </a:schemeClr>
+                </a:solidFill>
+                <a:latin typeface="Arial" panose="020B0604020202020204" pitchFamily="34" charset="0"/>
+                <a:cs typeface="Arial" panose="020B0604020202020204" pitchFamily="34" charset="0"/>
+              </a:rPr>
+              <a:t>. Establecer la traducción estática de direcciones de uno a uno, es decir, traducir la dirección IP privada del servidor del </a:t>
+            </a:r>
+            <a:r>
+              <a:rPr lang="es-MX" sz="1600" dirty="0" err="1">
+                <a:solidFill>
+                  <a:schemeClr val="bg2">
+                    <a:lumMod val="25000"/>
+                  </a:schemeClr>
+                </a:solidFill>
+                <a:latin typeface="Arial" panose="020B0604020202020204" pitchFamily="34" charset="0"/>
+                <a:cs typeface="Arial" panose="020B0604020202020204" pitchFamily="34" charset="0"/>
+              </a:rPr>
+              <a:t>tec</a:t>
+            </a:r>
+            <a:r>
+              <a:rPr lang="es-MX" sz="1600" dirty="0">
+                <a:solidFill>
+                  <a:schemeClr val="bg2">
+                    <a:lumMod val="25000"/>
+                  </a:schemeClr>
+                </a:solidFill>
+                <a:latin typeface="Arial" panose="020B0604020202020204" pitchFamily="34" charset="0"/>
+                <a:cs typeface="Arial" panose="020B0604020202020204" pitchFamily="34" charset="0"/>
+              </a:rPr>
+              <a:t> por una dirección IP pública. Utiliza la primera dirección pública disponible del </a:t>
+            </a:r>
+            <a:r>
+              <a:rPr lang="es-ES" sz="1600" dirty="0">
+                <a:solidFill>
+                  <a:srgbClr val="EEECE1">
+                    <a:lumMod val="25000"/>
+                  </a:srgbClr>
+                </a:solidFill>
+                <a:latin typeface="Arial" panose="020B0604020202020204" pitchFamily="34" charset="0"/>
+                <a:cs typeface="Arial" panose="020B0604020202020204" pitchFamily="34" charset="0"/>
+              </a:rPr>
+              <a:t>POOL de direcciones IP públicas asignado: </a:t>
+            </a:r>
+            <a:r>
+              <a:rPr lang="es-MX" sz="1600" b="1" dirty="0">
+                <a:solidFill>
+                  <a:srgbClr val="FF0000"/>
+                </a:solidFill>
+                <a:latin typeface="Arial" panose="020B0604020202020204" pitchFamily="34" charset="0"/>
+                <a:cs typeface="Arial" panose="020B0604020202020204" pitchFamily="34" charset="0"/>
+              </a:rPr>
+              <a:t>170.15.9.32 /27</a:t>
+            </a:r>
+            <a:endParaRPr lang="es-MX" sz="1600" b="1" dirty="0">
+              <a:solidFill>
+                <a:schemeClr val="accent6">
+                  <a:lumMod val="75000"/>
+                </a:schemeClr>
+              </a:solidFill>
+              <a:latin typeface="Arial" panose="020B0604020202020204" pitchFamily="34" charset="0"/>
+              <a:cs typeface="Arial" panose="020B0604020202020204" pitchFamily="34" charset="0"/>
+            </a:endParaRPr>
           </a:p>
         </p:txBody>
       </p:sp>
-      <p:graphicFrame>
-        <p:nvGraphicFramePr>
-          <p:cNvPr id="11" name="Tabla 4">
-            <a:extLst>
-              <a:ext uri="{FF2B5EF4-FFF2-40B4-BE49-F238E27FC236}">
-                <a16:creationId xmlns:a16="http://schemas.microsoft.com/office/drawing/2014/main" id="{A5502036-1F71-493B-9F77-5E47D51EC242}"/>
-              </a:ext>
-            </a:extLst>
-          </p:cNvPr>
-          <p:cNvGraphicFramePr>
-            <a:graphicFrameLocks noGrp="1"/>
-          </p:cNvGraphicFramePr>
-          <p:nvPr>
-            <p:extLst>
-              <p:ext uri="{D42A27DB-BD31-4B8C-83A1-F6EECF244321}">
-                <p14:modId xmlns:p14="http://schemas.microsoft.com/office/powerpoint/2010/main" val="194330613"/>
-              </p:ext>
-            </p:extLst>
-          </p:nvPr>
-        </p:nvGraphicFramePr>
-        <p:xfrm>
-          <a:off x="683568" y="2149222"/>
-          <a:ext cx="2304256" cy="2961640"/>
-        </p:xfrm>
-        <a:graphic>
-          <a:graphicData uri="http://schemas.openxmlformats.org/drawingml/2006/table">
-            <a:tbl>
-              <a:tblPr firstRow="1" bandRow="1">
-                <a:tableStyleId>{5C22544A-7EE6-4342-B048-85BDC9FD1C3A}</a:tableStyleId>
-              </a:tblPr>
-              <a:tblGrid>
-                <a:gridCol w="2304256">
-                  <a:extLst>
-                    <a:ext uri="{9D8B030D-6E8A-4147-A177-3AD203B41FA5}">
-                      <a16:colId xmlns:a16="http://schemas.microsoft.com/office/drawing/2014/main" val="1646987959"/>
-                    </a:ext>
-                  </a:extLst>
-                </a:gridCol>
-              </a:tblGrid>
-              <a:tr h="0">
-                <a:tc>
-                  <a:txBody>
-                    <a:bodyPr/>
-                    <a:lstStyle/>
-                    <a:p>
-                      <a:pPr algn="ctr"/>
-                      <a:r>
-                        <a:rPr lang="es-ES" dirty="0"/>
-                        <a:t>65.10.8.64</a:t>
-                      </a:r>
-                      <a:endParaRPr lang="es-MX" dirty="0"/>
-                    </a:p>
-                  </a:txBody>
-                  <a:tcPr>
-                    <a:solidFill>
-                      <a:schemeClr val="accent1">
-                        <a:lumMod val="75000"/>
-                      </a:schemeClr>
-                    </a:solidFill>
-                  </a:tcPr>
-                </a:tc>
-                <a:extLst>
-                  <a:ext uri="{0D108BD9-81ED-4DB2-BD59-A6C34878D82A}">
-                    <a16:rowId xmlns:a16="http://schemas.microsoft.com/office/drawing/2014/main" val="4171503338"/>
-                  </a:ext>
-                </a:extLst>
-              </a:tr>
-              <a:tr h="370840">
-                <a:tc>
-                  <a:txBody>
-                    <a:bodyPr/>
-                    <a:lstStyle/>
-                    <a:p>
-                      <a:pPr algn="ctr"/>
-                      <a:r>
-                        <a:rPr lang="es-ES" b="0" dirty="0">
-                          <a:solidFill>
-                            <a:schemeClr val="tx1"/>
-                          </a:solidFill>
-                        </a:rPr>
-                        <a:t>65.10.8.65</a:t>
-                      </a:r>
-                      <a:endParaRPr lang="es-MX" b="0" dirty="0">
-                        <a:solidFill>
-                          <a:schemeClr val="tx1"/>
-                        </a:solidFill>
-                      </a:endParaRPr>
-                    </a:p>
-                  </a:txBody>
-                  <a:tcPr>
-                    <a:solidFill>
-                      <a:schemeClr val="bg1">
-                        <a:lumMod val="95000"/>
-                      </a:schemeClr>
-                    </a:solidFill>
-                  </a:tcPr>
-                </a:tc>
-                <a:extLst>
-                  <a:ext uri="{0D108BD9-81ED-4DB2-BD59-A6C34878D82A}">
-                    <a16:rowId xmlns:a16="http://schemas.microsoft.com/office/drawing/2014/main" val="1394945017"/>
-                  </a:ext>
-                </a:extLst>
-              </a:tr>
-              <a:tr h="370840">
-                <a:tc>
-                  <a:txBody>
-                    <a:bodyPr/>
-                    <a:lstStyle/>
-                    <a:p>
-                      <a:pPr algn="ctr"/>
-                      <a:r>
-                        <a:rPr lang="es-ES" b="0" dirty="0">
-                          <a:solidFill>
-                            <a:schemeClr val="tx1"/>
-                          </a:solidFill>
-                        </a:rPr>
-                        <a:t>65.10.8.66</a:t>
-                      </a:r>
-                      <a:endParaRPr lang="es-MX" b="0" dirty="0">
-                        <a:solidFill>
-                          <a:schemeClr val="tx1"/>
-                        </a:solidFill>
-                      </a:endParaRPr>
-                    </a:p>
-                  </a:txBody>
-                  <a:tcPr>
-                    <a:solidFill>
-                      <a:schemeClr val="bg1">
-                        <a:lumMod val="95000"/>
-                      </a:schemeClr>
-                    </a:solidFill>
-                  </a:tcPr>
-                </a:tc>
-                <a:extLst>
-                  <a:ext uri="{0D108BD9-81ED-4DB2-BD59-A6C34878D82A}">
-                    <a16:rowId xmlns:a16="http://schemas.microsoft.com/office/drawing/2014/main" val="2423566975"/>
-                  </a:ext>
-                </a:extLst>
-              </a:tr>
-              <a:tr h="370840">
-                <a:tc>
-                  <a:txBody>
-                    <a:bodyPr/>
-                    <a:lstStyle/>
-                    <a:p>
-                      <a:pPr algn="ctr"/>
-                      <a:r>
-                        <a:rPr lang="es-ES" b="0" dirty="0">
-                          <a:solidFill>
-                            <a:schemeClr val="tx1"/>
-                          </a:solidFill>
-                        </a:rPr>
-                        <a:t>65.10.8.67</a:t>
-                      </a:r>
-                      <a:endParaRPr lang="es-MX" b="0" dirty="0">
-                        <a:solidFill>
-                          <a:schemeClr val="tx1"/>
-                        </a:solidFill>
-                      </a:endParaRPr>
-                    </a:p>
-                  </a:txBody>
-                  <a:tcPr>
-                    <a:solidFill>
-                      <a:schemeClr val="bg1">
-                        <a:lumMod val="95000"/>
-                      </a:schemeClr>
-                    </a:solidFill>
-                  </a:tcPr>
-                </a:tc>
-                <a:extLst>
-                  <a:ext uri="{0D108BD9-81ED-4DB2-BD59-A6C34878D82A}">
-                    <a16:rowId xmlns:a16="http://schemas.microsoft.com/office/drawing/2014/main" val="287047194"/>
-                  </a:ext>
-                </a:extLst>
-              </a:tr>
-              <a:tr h="370840">
-                <a:tc>
-                  <a:txBody>
-                    <a:bodyPr/>
-                    <a:lstStyle/>
-                    <a:p>
-                      <a:pPr algn="ctr"/>
-                      <a:r>
-                        <a:rPr lang="es-ES" b="0" dirty="0">
-                          <a:solidFill>
-                            <a:schemeClr val="tx1"/>
-                          </a:solidFill>
-                        </a:rPr>
-                        <a:t>65.10.8.68</a:t>
-                      </a:r>
-                      <a:endParaRPr lang="es-MX" b="0" dirty="0">
-                        <a:solidFill>
-                          <a:schemeClr val="tx1"/>
-                        </a:solidFill>
-                      </a:endParaRPr>
-                    </a:p>
-                  </a:txBody>
-                  <a:tcPr>
-                    <a:solidFill>
-                      <a:schemeClr val="bg1">
-                        <a:lumMod val="95000"/>
-                      </a:schemeClr>
-                    </a:solidFill>
-                  </a:tcPr>
-                </a:tc>
-                <a:extLst>
-                  <a:ext uri="{0D108BD9-81ED-4DB2-BD59-A6C34878D82A}">
-                    <a16:rowId xmlns:a16="http://schemas.microsoft.com/office/drawing/2014/main" val="3128188635"/>
-                  </a:ext>
-                </a:extLst>
-              </a:tr>
-              <a:tr h="370840">
-                <a:tc>
-                  <a:txBody>
-                    <a:bodyPr/>
-                    <a:lstStyle/>
-                    <a:p>
-                      <a:pPr algn="ctr"/>
-                      <a:r>
-                        <a:rPr lang="es-ES" b="0" dirty="0">
-                          <a:solidFill>
-                            <a:schemeClr val="tx1"/>
-                          </a:solidFill>
-                        </a:rPr>
-                        <a:t>…</a:t>
-                      </a:r>
-                      <a:endParaRPr lang="es-MX" b="0" dirty="0">
-                        <a:solidFill>
-                          <a:schemeClr val="tx1"/>
-                        </a:solidFill>
-                      </a:endParaRPr>
-                    </a:p>
-                  </a:txBody>
-                  <a:tcPr>
-                    <a:solidFill>
-                      <a:schemeClr val="bg1">
-                        <a:lumMod val="95000"/>
-                      </a:schemeClr>
-                    </a:solidFill>
-                  </a:tcPr>
-                </a:tc>
-                <a:extLst>
-                  <a:ext uri="{0D108BD9-81ED-4DB2-BD59-A6C34878D82A}">
-                    <a16:rowId xmlns:a16="http://schemas.microsoft.com/office/drawing/2014/main" val="88871889"/>
-                  </a:ext>
-                </a:extLst>
-              </a:tr>
-              <a:tr h="370840">
-                <a:tc>
-                  <a:txBody>
-                    <a:bodyPr/>
-                    <a:lstStyle/>
-                    <a:p>
-                      <a:pPr algn="ctr"/>
-                      <a:r>
-                        <a:rPr lang="es-ES" b="0" dirty="0">
-                          <a:solidFill>
-                            <a:schemeClr val="tx1"/>
-                          </a:solidFill>
-                        </a:rPr>
-                        <a:t>65.10.8.94</a:t>
-                      </a:r>
-                      <a:endParaRPr lang="es-MX" b="0" dirty="0">
-                        <a:solidFill>
-                          <a:schemeClr val="tx1"/>
-                        </a:solidFill>
-                      </a:endParaRPr>
-                    </a:p>
-                  </a:txBody>
-                  <a:tcPr>
-                    <a:solidFill>
-                      <a:schemeClr val="bg1">
-                        <a:lumMod val="95000"/>
-                      </a:schemeClr>
-                    </a:solidFill>
-                  </a:tcPr>
-                </a:tc>
-                <a:extLst>
-                  <a:ext uri="{0D108BD9-81ED-4DB2-BD59-A6C34878D82A}">
-                    <a16:rowId xmlns:a16="http://schemas.microsoft.com/office/drawing/2014/main" val="3311003721"/>
-                  </a:ext>
-                </a:extLst>
-              </a:tr>
-              <a:tr h="370840">
-                <a:tc>
-                  <a:txBody>
-                    <a:bodyPr/>
-                    <a:lstStyle/>
-                    <a:p>
-                      <a:pPr algn="ctr"/>
-                      <a:r>
-                        <a:rPr lang="es-ES" b="0" dirty="0">
-                          <a:solidFill>
-                            <a:schemeClr val="tx1"/>
-                          </a:solidFill>
-                        </a:rPr>
-                        <a:t>65.10.8.95</a:t>
-                      </a:r>
-                      <a:endParaRPr lang="es-MX" b="0" dirty="0">
-                        <a:solidFill>
-                          <a:schemeClr val="tx1"/>
-                        </a:solidFill>
-                      </a:endParaRPr>
-                    </a:p>
-                  </a:txBody>
-                  <a:tcPr>
-                    <a:solidFill>
-                      <a:schemeClr val="bg1">
-                        <a:lumMod val="95000"/>
-                      </a:schemeClr>
-                    </a:solidFill>
-                  </a:tcPr>
-                </a:tc>
-                <a:extLst>
-                  <a:ext uri="{0D108BD9-81ED-4DB2-BD59-A6C34878D82A}">
-                    <a16:rowId xmlns:a16="http://schemas.microsoft.com/office/drawing/2014/main" val="1703482987"/>
-                  </a:ext>
-                </a:extLst>
-              </a:tr>
-            </a:tbl>
-          </a:graphicData>
-        </a:graphic>
-      </p:graphicFrame>
-      <p:pic>
-        <p:nvPicPr>
-          <p:cNvPr id="2" name="Imagen 1">
-            <a:extLst>
-              <a:ext uri="{FF2B5EF4-FFF2-40B4-BE49-F238E27FC236}">
-                <a16:creationId xmlns:a16="http://schemas.microsoft.com/office/drawing/2014/main" id="{DEAC64EB-38F1-4535-F28F-6B1E5B83CDE6}"/>
-              </a:ext>
-            </a:extLst>
-          </p:cNvPr>
-          <p:cNvPicPr>
-            <a:picLocks noChangeAspect="1"/>
-          </p:cNvPicPr>
-          <p:nvPr/>
-        </p:nvPicPr>
-        <p:blipFill>
-          <a:blip r:embed="rId2"/>
-          <a:stretch>
-            <a:fillRect/>
-          </a:stretch>
-        </p:blipFill>
-        <p:spPr>
-          <a:xfrm>
-            <a:off x="3059832" y="2996952"/>
-            <a:ext cx="5617733" cy="1944216"/>
-          </a:xfrm>
-          <a:prstGeom prst="rect">
-            <a:avLst/>
-          </a:prstGeom>
-        </p:spPr>
-      </p:pic>
     </p:spTree>
     <p:extLst>
       <p:ext uri="{BB962C8B-B14F-4D97-AF65-F5344CB8AC3E}">
-        <p14:creationId xmlns:p14="http://schemas.microsoft.com/office/powerpoint/2010/main" val="966650134"/>
+        <p14:creationId xmlns:p14="http://schemas.microsoft.com/office/powerpoint/2010/main" val="2236349418"/>
       </p:ext>
     </p:extLst>
   </p:cSld>
@@ -7406,7 +7357,7 @@
                                           </p:stCondLst>
                                         </p:cTn>
                                         <p:tgtEl>
-                                          <p:spTgt spid="4"/>
+                                          <p:spTgt spid="5"/>
                                         </p:tgtEl>
                                         <p:attrNameLst>
                                           <p:attrName>style.visibility</p:attrName>
@@ -7420,7 +7371,7 @@
                                       <p:cBhvr>
                                         <p:cTn id="7" dur="500"/>
                                         <p:tgtEl>
-                                          <p:spTgt spid="4"/>
+                                          <p:spTgt spid="5"/>
                                         </p:tgtEl>
                                       </p:cBhvr>
                                     </p:animEffect>
@@ -7455,7 +7406,7 @@
       </p:par>
     </p:tnLst>
     <p:bldLst>
-      <p:bldP spid="4" grpId="0"/>
+      <p:bldP spid="5" grpId="0"/>
     </p:bldLst>
   </p:timing>
 </p:sld>
@@ -7478,6 +7429,36 @@
           <a:chExt cx="0" cy="0"/>
         </a:xfrm>
       </p:grpSpPr>
+      <p:pic>
+        <p:nvPicPr>
+          <p:cNvPr id="7" name="Picture 6">
+            <a:extLst>
+              <a:ext uri="{FF2B5EF4-FFF2-40B4-BE49-F238E27FC236}">
+                <a16:creationId xmlns:a16="http://schemas.microsoft.com/office/drawing/2014/main" id="{CCEB6630-D58C-6172-1454-71F2EACDFAF4}"/>
+              </a:ext>
+            </a:extLst>
+          </p:cNvPr>
+          <p:cNvPicPr>
+            <a:picLocks noChangeAspect="1"/>
+          </p:cNvPicPr>
+          <p:nvPr/>
+        </p:nvPicPr>
+        <p:blipFill>
+          <a:blip r:embed="rId2"/>
+          <a:stretch>
+            <a:fillRect/>
+          </a:stretch>
+        </p:blipFill>
+        <p:spPr>
+          <a:xfrm>
+            <a:off x="53752" y="3255557"/>
+            <a:ext cx="9036496" cy="3041920"/>
+          </a:xfrm>
+          <a:prstGeom prst="rect">
+            <a:avLst/>
+          </a:prstGeom>
+        </p:spPr>
+      </p:pic>
       <p:sp>
         <p:nvSpPr>
           <p:cNvPr id="8" name="Rectangle 2"/>
@@ -7547,17 +7528,17 @@
                 </a:effectLst>
                 <a:latin typeface="Dom Casual" charset="0"/>
               </a:rPr>
-              <a:t>Diseño de POOL de NAT</a:t>
+              <a:t>Configuración de NAT</a:t>
             </a:r>
           </a:p>
         </p:txBody>
       </p:sp>
       <p:sp>
         <p:nvSpPr>
-          <p:cNvPr id="4" name="7 CuadroTexto">
+          <p:cNvPr id="5" name="7 CuadroTexto">
             <a:extLst>
               <a:ext uri="{FF2B5EF4-FFF2-40B4-BE49-F238E27FC236}">
-                <a16:creationId xmlns:a16="http://schemas.microsoft.com/office/drawing/2014/main" id="{B35E1129-13F4-492E-ACBD-2E62828C8B8A}"/>
+                <a16:creationId xmlns:a16="http://schemas.microsoft.com/office/drawing/2014/main" id="{53A6B150-9682-60C5-EAF4-78F92F3DC7EE}"/>
               </a:ext>
             </a:extLst>
           </p:cNvPr>
@@ -7568,8 +7549,8 @@
         </p:nvSpPr>
         <p:spPr bwMode="auto">
           <a:xfrm>
-            <a:off x="647564" y="1068058"/>
-            <a:ext cx="7848872" cy="1985672"/>
+            <a:off x="251520" y="941013"/>
+            <a:ext cx="8640960" cy="2314544"/>
           </a:xfrm>
           <a:prstGeom prst="rect">
             <a:avLst/>
@@ -7701,13 +7682,15 @@
             </a:lvl9pPr>
           </a:lstStyle>
           <a:p>
-            <a:pPr>
+            <a:pPr marL="342900" indent="-342900" algn="just">
               <a:lnSpc>
                 <a:spcPct val="150000"/>
               </a:lnSpc>
+              <a:buFont typeface="+mj-lt"/>
+              <a:buAutoNum type="arabicPeriod" startAt="3"/>
             </a:pPr>
             <a:r>
-              <a:rPr lang="es-MX" sz="1600" dirty="0">
+              <a:rPr lang="es-MX" sz="1400" dirty="0">
                 <a:solidFill>
                   <a:schemeClr val="bg2">
                     <a:lumMod val="25000"/>
@@ -7716,10 +7699,10 @@
                 <a:latin typeface="Arial" panose="020B0604020202020204" pitchFamily="34" charset="0"/>
                 <a:cs typeface="Arial" panose="020B0604020202020204" pitchFamily="34" charset="0"/>
               </a:rPr>
-              <a:t>Direcciones IP públicas: </a:t>
-            </a:r>
-            <a:r>
-              <a:rPr lang="es-MX" sz="2000" b="1" dirty="0">
+              <a:t>Configurar el </a:t>
+            </a:r>
+            <a:r>
+              <a:rPr lang="es-MX" sz="1400" b="1" dirty="0">
                 <a:solidFill>
                   <a:schemeClr val="accent6">
                     <a:lumMod val="75000"/>
@@ -7728,11 +7711,71 @@
                 <a:latin typeface="Arial" panose="020B0604020202020204" pitchFamily="34" charset="0"/>
                 <a:cs typeface="Arial" panose="020B0604020202020204" pitchFamily="34" charset="0"/>
               </a:rPr>
-              <a:t>65.10.8.64 /27</a:t>
-            </a:r>
-          </a:p>
-          <a:p>
-            <a:pPr marL="285750" indent="-285750" algn="just">
+              <a:t>servicio de NAT</a:t>
+            </a:r>
+            <a:r>
+              <a:rPr lang="es-MX" sz="1400" dirty="0">
+                <a:solidFill>
+                  <a:schemeClr val="bg2">
+                    <a:lumMod val="25000"/>
+                  </a:schemeClr>
+                </a:solidFill>
+                <a:latin typeface="Arial" panose="020B0604020202020204" pitchFamily="34" charset="0"/>
+                <a:cs typeface="Arial" panose="020B0604020202020204" pitchFamily="34" charset="0"/>
+              </a:rPr>
+              <a:t>. ¿Cómo conectar direcciones </a:t>
+            </a:r>
+            <a:r>
+              <a:rPr lang="es-MX" sz="1400" b="1" dirty="0">
+                <a:solidFill>
+                  <a:schemeClr val="bg2">
+                    <a:lumMod val="25000"/>
+                  </a:schemeClr>
+                </a:solidFill>
+                <a:latin typeface="Arial" panose="020B0604020202020204" pitchFamily="34" charset="0"/>
+                <a:cs typeface="Arial" panose="020B0604020202020204" pitchFamily="34" charset="0"/>
+              </a:rPr>
+              <a:t>IP privadas </a:t>
+            </a:r>
+            <a:r>
+              <a:rPr lang="es-MX" sz="1400" dirty="0">
+                <a:solidFill>
+                  <a:schemeClr val="bg2">
+                    <a:lumMod val="25000"/>
+                  </a:schemeClr>
+                </a:solidFill>
+                <a:latin typeface="Arial" panose="020B0604020202020204" pitchFamily="34" charset="0"/>
+                <a:cs typeface="Arial" panose="020B0604020202020204" pitchFamily="34" charset="0"/>
+              </a:rPr>
+              <a:t>con direcciones </a:t>
+            </a:r>
+            <a:r>
+              <a:rPr lang="es-MX" sz="1400" b="1" dirty="0">
+                <a:solidFill>
+                  <a:schemeClr val="bg2">
+                    <a:lumMod val="25000"/>
+                  </a:schemeClr>
+                </a:solidFill>
+                <a:latin typeface="Arial" panose="020B0604020202020204" pitchFamily="34" charset="0"/>
+                <a:cs typeface="Arial" panose="020B0604020202020204" pitchFamily="34" charset="0"/>
+              </a:rPr>
+              <a:t>IP públicas</a:t>
+            </a:r>
+            <a:r>
+              <a:rPr lang="es-MX" sz="1400" dirty="0">
+                <a:solidFill>
+                  <a:schemeClr val="bg2">
+                    <a:lumMod val="25000"/>
+                  </a:schemeClr>
+                </a:solidFill>
+                <a:latin typeface="Arial" panose="020B0604020202020204" pitchFamily="34" charset="0"/>
+                <a:cs typeface="Arial" panose="020B0604020202020204" pitchFamily="34" charset="0"/>
+              </a:rPr>
+              <a:t>?</a:t>
+            </a:r>
+          </a:p>
+          <a:p>
+            <a:pPr lvl="1" algn="just">
               <a:lnSpc>
                 <a:spcPct val="150000"/>
               </a:lnSpc>
@@ -7740,7 +7783,7 @@
               <a:buChar char="•"/>
             </a:pPr>
             <a:r>
-              <a:rPr lang="es-MX" sz="1600" dirty="0">
+              <a:rPr lang="es-ES" sz="1400" dirty="0">
                 <a:solidFill>
                   <a:schemeClr val="bg2">
                     <a:lumMod val="25000"/>
@@ -7749,10 +7792,22 @@
                 <a:latin typeface="Arial" panose="020B0604020202020204" pitchFamily="34" charset="0"/>
                 <a:cs typeface="Arial" panose="020B0604020202020204" pitchFamily="34" charset="0"/>
               </a:rPr>
-              <a:t>Se estableció un </a:t>
-            </a:r>
-            <a:r>
-              <a:rPr lang="es-MX" sz="1600" dirty="0" err="1">
+              <a:t>Configuraremos el servicio de NAT con una </a:t>
+            </a:r>
+            <a:r>
+              <a:rPr lang="es-ES" sz="1400" b="1" dirty="0">
+                <a:solidFill>
+                  <a:schemeClr val="accent5">
+                    <a:lumMod val="75000"/>
+                  </a:schemeClr>
+                </a:solidFill>
+                <a:latin typeface="Arial" panose="020B0604020202020204" pitchFamily="34" charset="0"/>
+                <a:cs typeface="Arial" panose="020B0604020202020204" pitchFamily="34" charset="0"/>
+              </a:rPr>
+              <a:t>lista de control de acceso </a:t>
+            </a:r>
+            <a:r>
+              <a:rPr lang="es-ES" sz="1400" dirty="0">
                 <a:solidFill>
                   <a:schemeClr val="bg2">
                     <a:lumMod val="25000"/>
@@ -7761,47 +7816,11 @@
                 <a:latin typeface="Arial" panose="020B0604020202020204" pitchFamily="34" charset="0"/>
                 <a:cs typeface="Arial" panose="020B0604020202020204" pitchFamily="34" charset="0"/>
               </a:rPr>
-              <a:t>subneteo</a:t>
-            </a:r>
-            <a:r>
-              <a:rPr lang="es-MX" sz="1600" dirty="0">
-                <a:solidFill>
-                  <a:schemeClr val="bg2">
-                    <a:lumMod val="25000"/>
-                  </a:schemeClr>
-                </a:solidFill>
-                <a:latin typeface="Arial" panose="020B0604020202020204" pitchFamily="34" charset="0"/>
-                <a:cs typeface="Arial" panose="020B0604020202020204" pitchFamily="34" charset="0"/>
-              </a:rPr>
-              <a:t> con un bloque </a:t>
-            </a:r>
-            <a:r>
-              <a:rPr lang="es-MX" sz="1600" b="1" dirty="0">
-                <a:solidFill>
-                  <a:schemeClr val="bg2">
-                    <a:lumMod val="25000"/>
-                  </a:schemeClr>
-                </a:solidFill>
-                <a:latin typeface="Arial" panose="020B0604020202020204" pitchFamily="34" charset="0"/>
-                <a:cs typeface="Arial" panose="020B0604020202020204" pitchFamily="34" charset="0"/>
-              </a:rPr>
-              <a:t>/30 </a:t>
-            </a:r>
-            <a:r>
-              <a:rPr lang="es-MX" sz="1600" dirty="0">
-                <a:solidFill>
-                  <a:schemeClr val="bg2">
-                    <a:lumMod val="25000"/>
-                  </a:schemeClr>
-                </a:solidFill>
-                <a:latin typeface="Arial" panose="020B0604020202020204" pitchFamily="34" charset="0"/>
-                <a:cs typeface="Arial" panose="020B0604020202020204" pitchFamily="34" charset="0"/>
-              </a:rPr>
-              <a:t>para las direcciones de las interfaces seriales. </a:t>
-            </a:r>
-          </a:p>
-          <a:p>
-            <a:pPr marL="285750" indent="-285750" algn="just">
+              <a:t>que permita que todos los usuarios de la red local puedan salir al exterior.</a:t>
+            </a:r>
+          </a:p>
+          <a:p>
+            <a:pPr lvl="1" algn="just">
               <a:lnSpc>
                 <a:spcPct val="150000"/>
               </a:lnSpc>
@@ -7809,7 +7828,7 @@
               <a:buChar char="•"/>
             </a:pPr>
             <a:r>
-              <a:rPr lang="es-MX" sz="1600" dirty="0">
+              <a:rPr lang="es-ES" sz="1400" dirty="0">
                 <a:solidFill>
                   <a:schemeClr val="bg2">
                     <a:lumMod val="25000"/>
@@ -7818,10 +7837,29 @@
                 <a:latin typeface="Arial" panose="020B0604020202020204" pitchFamily="34" charset="0"/>
                 <a:cs typeface="Arial" panose="020B0604020202020204" pitchFamily="34" charset="0"/>
               </a:rPr>
-              <a:t>El resto de las direcciones son </a:t>
-            </a:r>
-            <a:r>
-              <a:rPr lang="es-MX" sz="1600" dirty="0" err="1">
+              <a:t>Instalaremos el servicio de NAT utilizando el POOL de las siguientes direcciones IP públicas: </a:t>
+            </a:r>
+            <a:r>
+              <a:rPr lang="es-MX" sz="1400" b="1" dirty="0">
+                <a:solidFill>
+                  <a:srgbClr val="FF0000"/>
+                </a:solidFill>
+                <a:latin typeface="Arial" panose="020B0604020202020204" pitchFamily="34" charset="0"/>
+                <a:cs typeface="Arial" panose="020B0604020202020204" pitchFamily="34" charset="0"/>
+              </a:rPr>
+              <a:t>170.15.9.32 /27</a:t>
+            </a:r>
+          </a:p>
+          <a:p>
+            <a:pPr lvl="1" algn="just">
+              <a:lnSpc>
+                <a:spcPct val="150000"/>
+              </a:lnSpc>
+              <a:buFont typeface="Arial" panose="020B0604020202020204" pitchFamily="34" charset="0"/>
+              <a:buChar char="•"/>
+            </a:pPr>
+            <a:r>
+              <a:rPr lang="es-MX" sz="1400" dirty="0">
                 <a:solidFill>
                   <a:schemeClr val="bg2">
                     <a:lumMod val="25000"/>
@@ -7830,10 +7868,10 @@
                 <a:latin typeface="Arial" panose="020B0604020202020204" pitchFamily="34" charset="0"/>
                 <a:cs typeface="Arial" panose="020B0604020202020204" pitchFamily="34" charset="0"/>
               </a:rPr>
-              <a:t>IPs</a:t>
-            </a:r>
-            <a:r>
-              <a:rPr lang="es-MX" sz="1600" dirty="0">
+              <a:t>Descarte la primera IP disponible del POOL, ya que fue asignada al direccionamiento estático del servidor del </a:t>
+            </a:r>
+            <a:r>
+              <a:rPr lang="es-MX" sz="1400" dirty="0" err="1">
                 <a:solidFill>
                   <a:schemeClr val="bg2">
                     <a:lumMod val="25000"/>
@@ -7842,750 +7880,27 @@
                 <a:latin typeface="Arial" panose="020B0604020202020204" pitchFamily="34" charset="0"/>
                 <a:cs typeface="Arial" panose="020B0604020202020204" pitchFamily="34" charset="0"/>
               </a:rPr>
-              <a:t> válidas (.68 - .95) y serán utilizadas para el pool de NAT.</a:t>
+              <a:t>tec</a:t>
+            </a:r>
+            <a:r>
+              <a:rPr lang="es-MX" sz="1400" dirty="0">
+                <a:solidFill>
+                  <a:schemeClr val="bg2">
+                    <a:lumMod val="25000"/>
+                  </a:schemeClr>
+                </a:solidFill>
+                <a:latin typeface="Arial" panose="020B0604020202020204" pitchFamily="34" charset="0"/>
+                <a:cs typeface="Arial" panose="020B0604020202020204" pitchFamily="34" charset="0"/>
+              </a:rPr>
+              <a:t>.</a:t>
             </a:r>
           </a:p>
         </p:txBody>
       </p:sp>
-      <p:graphicFrame>
-        <p:nvGraphicFramePr>
-          <p:cNvPr id="3" name="Tabla 4">
-            <a:extLst>
-              <a:ext uri="{FF2B5EF4-FFF2-40B4-BE49-F238E27FC236}">
-                <a16:creationId xmlns:a16="http://schemas.microsoft.com/office/drawing/2014/main" id="{46A1923A-5AD3-4688-BE44-143769216DED}"/>
-              </a:ext>
-            </a:extLst>
-          </p:cNvPr>
-          <p:cNvGraphicFramePr>
-            <a:graphicFrameLocks noGrp="1"/>
-          </p:cNvGraphicFramePr>
-          <p:nvPr>
-            <p:extLst>
-              <p:ext uri="{D42A27DB-BD31-4B8C-83A1-F6EECF244321}">
-                <p14:modId xmlns:p14="http://schemas.microsoft.com/office/powerpoint/2010/main" val="2130203336"/>
-              </p:ext>
-            </p:extLst>
-          </p:nvPr>
-        </p:nvGraphicFramePr>
-        <p:xfrm>
-          <a:off x="4139952" y="3270592"/>
-          <a:ext cx="2304256" cy="2966720"/>
-        </p:xfrm>
-        <a:graphic>
-          <a:graphicData uri="http://schemas.openxmlformats.org/drawingml/2006/table">
-            <a:tbl>
-              <a:tblPr firstRow="1" bandRow="1">
-                <a:tableStyleId>{5C22544A-7EE6-4342-B048-85BDC9FD1C3A}</a:tableStyleId>
-              </a:tblPr>
-              <a:tblGrid>
-                <a:gridCol w="2304256">
-                  <a:extLst>
-                    <a:ext uri="{9D8B030D-6E8A-4147-A177-3AD203B41FA5}">
-                      <a16:colId xmlns:a16="http://schemas.microsoft.com/office/drawing/2014/main" val="1646987959"/>
-                    </a:ext>
-                  </a:extLst>
-                </a:gridCol>
-              </a:tblGrid>
-              <a:tr h="370840">
-                <a:tc>
-                  <a:txBody>
-                    <a:bodyPr/>
-                    <a:lstStyle/>
-                    <a:p>
-                      <a:pPr algn="ctr"/>
-                      <a:r>
-                        <a:rPr lang="es-ES" dirty="0"/>
-                        <a:t>65.10.8.64</a:t>
-                      </a:r>
-                      <a:endParaRPr lang="es-MX" dirty="0"/>
-                    </a:p>
-                  </a:txBody>
-                  <a:tcPr>
-                    <a:solidFill>
-                      <a:schemeClr val="accent1">
-                        <a:lumMod val="75000"/>
-                      </a:schemeClr>
-                    </a:solidFill>
-                  </a:tcPr>
-                </a:tc>
-                <a:extLst>
-                  <a:ext uri="{0D108BD9-81ED-4DB2-BD59-A6C34878D82A}">
-                    <a16:rowId xmlns:a16="http://schemas.microsoft.com/office/drawing/2014/main" val="4171503338"/>
-                  </a:ext>
-                </a:extLst>
-              </a:tr>
-              <a:tr h="370840">
-                <a:tc>
-                  <a:txBody>
-                    <a:bodyPr/>
-                    <a:lstStyle/>
-                    <a:p>
-                      <a:pPr algn="ctr"/>
-                      <a:r>
-                        <a:rPr lang="es-ES" dirty="0"/>
-                        <a:t>65.10.8.65</a:t>
-                      </a:r>
-                      <a:endParaRPr lang="es-MX" dirty="0"/>
-                    </a:p>
-                  </a:txBody>
-                  <a:tcPr>
-                    <a:solidFill>
-                      <a:srgbClr val="EAEAEA"/>
-                    </a:solidFill>
-                  </a:tcPr>
-                </a:tc>
-                <a:extLst>
-                  <a:ext uri="{0D108BD9-81ED-4DB2-BD59-A6C34878D82A}">
-                    <a16:rowId xmlns:a16="http://schemas.microsoft.com/office/drawing/2014/main" val="1394945017"/>
-                  </a:ext>
-                </a:extLst>
-              </a:tr>
-              <a:tr h="370840">
-                <a:tc>
-                  <a:txBody>
-                    <a:bodyPr/>
-                    <a:lstStyle/>
-                    <a:p>
-                      <a:pPr algn="ctr"/>
-                      <a:r>
-                        <a:rPr lang="es-ES" dirty="0"/>
-                        <a:t>65.10.8.66</a:t>
-                      </a:r>
-                      <a:endParaRPr lang="es-MX" dirty="0"/>
-                    </a:p>
-                  </a:txBody>
-                  <a:tcPr>
-                    <a:solidFill>
-                      <a:srgbClr val="EAEAEA"/>
-                    </a:solidFill>
-                  </a:tcPr>
-                </a:tc>
-                <a:extLst>
-                  <a:ext uri="{0D108BD9-81ED-4DB2-BD59-A6C34878D82A}">
-                    <a16:rowId xmlns:a16="http://schemas.microsoft.com/office/drawing/2014/main" val="2423566975"/>
-                  </a:ext>
-                </a:extLst>
-              </a:tr>
-              <a:tr h="370840">
-                <a:tc>
-                  <a:txBody>
-                    <a:bodyPr/>
-                    <a:lstStyle/>
-                    <a:p>
-                      <a:pPr algn="ctr"/>
-                      <a:r>
-                        <a:rPr lang="es-ES" b="1" dirty="0">
-                          <a:solidFill>
-                            <a:schemeClr val="bg1">
-                              <a:lumMod val="95000"/>
-                            </a:schemeClr>
-                          </a:solidFill>
-                        </a:rPr>
-                        <a:t>65.10.8.67</a:t>
-                      </a:r>
-                      <a:endParaRPr lang="es-MX" b="1" dirty="0">
-                        <a:solidFill>
-                          <a:schemeClr val="bg1">
-                            <a:lumMod val="95000"/>
-                          </a:schemeClr>
-                        </a:solidFill>
-                      </a:endParaRPr>
-                    </a:p>
-                  </a:txBody>
-                  <a:tcPr>
-                    <a:solidFill>
-                      <a:schemeClr val="accent1">
-                        <a:lumMod val="75000"/>
-                      </a:schemeClr>
-                    </a:solidFill>
-                  </a:tcPr>
-                </a:tc>
-                <a:extLst>
-                  <a:ext uri="{0D108BD9-81ED-4DB2-BD59-A6C34878D82A}">
-                    <a16:rowId xmlns:a16="http://schemas.microsoft.com/office/drawing/2014/main" val="287047194"/>
-                  </a:ext>
-                </a:extLst>
-              </a:tr>
-              <a:tr h="370840">
-                <a:tc>
-                  <a:txBody>
-                    <a:bodyPr/>
-                    <a:lstStyle/>
-                    <a:p>
-                      <a:pPr algn="ctr"/>
-                      <a:r>
-                        <a:rPr lang="es-ES" dirty="0"/>
-                        <a:t>65.10.8.68</a:t>
-                      </a:r>
-                      <a:endParaRPr lang="es-MX" dirty="0"/>
-                    </a:p>
-                  </a:txBody>
-                  <a:tcPr>
-                    <a:solidFill>
-                      <a:schemeClr val="accent2">
-                        <a:lumMod val="20000"/>
-                        <a:lumOff val="80000"/>
-                      </a:schemeClr>
-                    </a:solidFill>
-                  </a:tcPr>
-                </a:tc>
-                <a:extLst>
-                  <a:ext uri="{0D108BD9-81ED-4DB2-BD59-A6C34878D82A}">
-                    <a16:rowId xmlns:a16="http://schemas.microsoft.com/office/drawing/2014/main" val="3128188635"/>
-                  </a:ext>
-                </a:extLst>
-              </a:tr>
-              <a:tr h="370840">
-                <a:tc>
-                  <a:txBody>
-                    <a:bodyPr/>
-                    <a:lstStyle/>
-                    <a:p>
-                      <a:pPr algn="ctr"/>
-                      <a:r>
-                        <a:rPr lang="es-ES" dirty="0"/>
-                        <a:t>…</a:t>
-                      </a:r>
-                      <a:endParaRPr lang="es-MX" dirty="0"/>
-                    </a:p>
-                  </a:txBody>
-                  <a:tcPr>
-                    <a:solidFill>
-                      <a:schemeClr val="accent2">
-                        <a:lumMod val="20000"/>
-                        <a:lumOff val="80000"/>
-                      </a:schemeClr>
-                    </a:solidFill>
-                  </a:tcPr>
-                </a:tc>
-                <a:extLst>
-                  <a:ext uri="{0D108BD9-81ED-4DB2-BD59-A6C34878D82A}">
-                    <a16:rowId xmlns:a16="http://schemas.microsoft.com/office/drawing/2014/main" val="88871889"/>
-                  </a:ext>
-                </a:extLst>
-              </a:tr>
-              <a:tr h="370840">
-                <a:tc>
-                  <a:txBody>
-                    <a:bodyPr/>
-                    <a:lstStyle/>
-                    <a:p>
-                      <a:pPr algn="ctr"/>
-                      <a:r>
-                        <a:rPr lang="es-ES" dirty="0"/>
-                        <a:t>65.10.8.94</a:t>
-                      </a:r>
-                      <a:endParaRPr lang="es-MX" dirty="0"/>
-                    </a:p>
-                  </a:txBody>
-                  <a:tcPr>
-                    <a:solidFill>
-                      <a:schemeClr val="accent2">
-                        <a:lumMod val="20000"/>
-                        <a:lumOff val="80000"/>
-                      </a:schemeClr>
-                    </a:solidFill>
-                  </a:tcPr>
-                </a:tc>
-                <a:extLst>
-                  <a:ext uri="{0D108BD9-81ED-4DB2-BD59-A6C34878D82A}">
-                    <a16:rowId xmlns:a16="http://schemas.microsoft.com/office/drawing/2014/main" val="3311003721"/>
-                  </a:ext>
-                </a:extLst>
-              </a:tr>
-              <a:tr h="370840">
-                <a:tc>
-                  <a:txBody>
-                    <a:bodyPr/>
-                    <a:lstStyle/>
-                    <a:p>
-                      <a:pPr algn="ctr"/>
-                      <a:r>
-                        <a:rPr lang="es-ES" dirty="0"/>
-                        <a:t>65.10.8.95</a:t>
-                      </a:r>
-                      <a:endParaRPr lang="es-MX" dirty="0"/>
-                    </a:p>
-                  </a:txBody>
-                  <a:tcPr>
-                    <a:solidFill>
-                      <a:schemeClr val="accent2">
-                        <a:lumMod val="20000"/>
-                        <a:lumOff val="80000"/>
-                      </a:schemeClr>
-                    </a:solidFill>
-                  </a:tcPr>
-                </a:tc>
-                <a:extLst>
-                  <a:ext uri="{0D108BD9-81ED-4DB2-BD59-A6C34878D82A}">
-                    <a16:rowId xmlns:a16="http://schemas.microsoft.com/office/drawing/2014/main" val="1703482987"/>
-                  </a:ext>
-                </a:extLst>
-              </a:tr>
-            </a:tbl>
-          </a:graphicData>
-        </a:graphic>
-      </p:graphicFrame>
-      <p:sp>
-        <p:nvSpPr>
-          <p:cNvPr id="5" name="Cerrar llave 4">
-            <a:extLst>
-              <a:ext uri="{FF2B5EF4-FFF2-40B4-BE49-F238E27FC236}">
-                <a16:creationId xmlns:a16="http://schemas.microsoft.com/office/drawing/2014/main" id="{A948CF47-8AFB-488E-99B5-2435DCE379BE}"/>
-              </a:ext>
-            </a:extLst>
-          </p:cNvPr>
-          <p:cNvSpPr/>
-          <p:nvPr/>
-        </p:nvSpPr>
-        <p:spPr>
-          <a:xfrm>
-            <a:off x="6444208" y="3270592"/>
-            <a:ext cx="360040" cy="1440160"/>
-          </a:xfrm>
-          <a:prstGeom prst="rightBrace">
-            <a:avLst/>
-          </a:prstGeom>
-        </p:spPr>
-        <p:style>
-          <a:lnRef idx="1">
-            <a:schemeClr val="accent1"/>
-          </a:lnRef>
-          <a:fillRef idx="0">
-            <a:schemeClr val="accent1"/>
-          </a:fillRef>
-          <a:effectRef idx="0">
-            <a:schemeClr val="accent1"/>
-          </a:effectRef>
-          <a:fontRef idx="minor">
-            <a:schemeClr val="tx1"/>
-          </a:fontRef>
-        </p:style>
-        <p:txBody>
-          <a:bodyPr rtlCol="0" anchor="ctr"/>
-          <a:lstStyle/>
-          <a:p>
-            <a:pPr algn="ctr"/>
-            <a:endParaRPr lang="es-MX"/>
-          </a:p>
-        </p:txBody>
-      </p:sp>
-      <p:sp>
-        <p:nvSpPr>
-          <p:cNvPr id="7" name="7 CuadroTexto">
-            <a:extLst>
-              <a:ext uri="{FF2B5EF4-FFF2-40B4-BE49-F238E27FC236}">
-                <a16:creationId xmlns:a16="http://schemas.microsoft.com/office/drawing/2014/main" id="{CE2CAA07-1B7C-43B1-8858-188E645D9069}"/>
-              </a:ext>
-            </a:extLst>
-          </p:cNvPr>
-          <p:cNvSpPr txBox="1">
-            <a:spLocks noChangeArrowheads="1"/>
-          </p:cNvSpPr>
-          <p:nvPr/>
-        </p:nvSpPr>
-        <p:spPr bwMode="auto">
-          <a:xfrm>
-            <a:off x="6456150" y="3666133"/>
-            <a:ext cx="2232248" cy="508344"/>
-          </a:xfrm>
-          <a:prstGeom prst="rect">
-            <a:avLst/>
-          </a:prstGeom>
-          <a:noFill/>
-          <a:ln>
-            <a:noFill/>
-          </a:ln>
-          <a:extLst>
-            <a:ext uri="{909E8E84-426E-40DD-AFC4-6F175D3DCCD1}">
-              <a14:hiddenFill xmlns:a14="http://schemas.microsoft.com/office/drawing/2010/main">
-                <a:solidFill>
-                  <a:srgbClr val="FFFFFF"/>
-                </a:solidFill>
-              </a14:hiddenFill>
-            </a:ext>
-            <a:ext uri="{91240B29-F687-4F45-9708-019B960494DF}">
-              <a14:hiddenLine xmlns:a14="http://schemas.microsoft.com/office/drawing/2010/main" w="9525">
-                <a:solidFill>
-                  <a:srgbClr val="000000"/>
-                </a:solidFill>
-                <a:miter lim="800000"/>
-                <a:headEnd/>
-                <a:tailEnd/>
-              </a14:hiddenLine>
-            </a:ext>
-          </a:extLst>
-        </p:spPr>
-        <p:txBody>
-          <a:bodyPr wrap="square">
-            <a:spAutoFit/>
-          </a:bodyPr>
-          <a:lstStyle>
-            <a:lvl1pPr eaLnBrk="0" hangingPunct="0">
-              <a:defRPr sz="2400">
-                <a:solidFill>
-                  <a:schemeClr val="tx1"/>
-                </a:solidFill>
-                <a:latin typeface="Times New Roman" pitchFamily="18" charset="0"/>
-              </a:defRPr>
-            </a:lvl1pPr>
-            <a:lvl2pPr marL="742950" indent="-285750" eaLnBrk="0" hangingPunct="0">
-              <a:defRPr sz="2400">
-                <a:solidFill>
-                  <a:schemeClr val="tx1"/>
-                </a:solidFill>
-                <a:latin typeface="Times New Roman" pitchFamily="18" charset="0"/>
-              </a:defRPr>
-            </a:lvl2pPr>
-            <a:lvl3pPr marL="1143000" indent="-228600" eaLnBrk="0" hangingPunct="0">
-              <a:defRPr sz="2400">
-                <a:solidFill>
-                  <a:schemeClr val="tx1"/>
-                </a:solidFill>
-                <a:latin typeface="Times New Roman" pitchFamily="18" charset="0"/>
-              </a:defRPr>
-            </a:lvl3pPr>
-            <a:lvl4pPr marL="1600200" indent="-228600" eaLnBrk="0" hangingPunct="0">
-              <a:defRPr sz="2400">
-                <a:solidFill>
-                  <a:schemeClr val="tx1"/>
-                </a:solidFill>
-                <a:latin typeface="Times New Roman" pitchFamily="18" charset="0"/>
-              </a:defRPr>
-            </a:lvl4pPr>
-            <a:lvl5pPr marL="2057400" indent="-228600" eaLnBrk="0" hangingPunct="0">
-              <a:defRPr sz="2400">
-                <a:solidFill>
-                  <a:schemeClr val="tx1"/>
-                </a:solidFill>
-                <a:latin typeface="Times New Roman" pitchFamily="18" charset="0"/>
-              </a:defRPr>
-            </a:lvl5pPr>
-            <a:lvl6pPr marL="2514600" indent="-228600" eaLnBrk="0" fontAlgn="base" hangingPunct="0">
-              <a:spcBef>
-                <a:spcPct val="0"/>
-              </a:spcBef>
-              <a:spcAft>
-                <a:spcPct val="0"/>
-              </a:spcAft>
-              <a:defRPr sz="2400">
-                <a:solidFill>
-                  <a:schemeClr val="tx1"/>
-                </a:solidFill>
-                <a:latin typeface="Times New Roman" pitchFamily="18" charset="0"/>
-              </a:defRPr>
-            </a:lvl6pPr>
-            <a:lvl7pPr marL="2971800" indent="-228600" eaLnBrk="0" fontAlgn="base" hangingPunct="0">
-              <a:spcBef>
-                <a:spcPct val="0"/>
-              </a:spcBef>
-              <a:spcAft>
-                <a:spcPct val="0"/>
-              </a:spcAft>
-              <a:defRPr sz="2400">
-                <a:solidFill>
-                  <a:schemeClr val="tx1"/>
-                </a:solidFill>
-                <a:latin typeface="Times New Roman" pitchFamily="18" charset="0"/>
-              </a:defRPr>
-            </a:lvl7pPr>
-            <a:lvl8pPr marL="3429000" indent="-228600" eaLnBrk="0" fontAlgn="base" hangingPunct="0">
-              <a:spcBef>
-                <a:spcPct val="0"/>
-              </a:spcBef>
-              <a:spcAft>
-                <a:spcPct val="0"/>
-              </a:spcAft>
-              <a:defRPr sz="2400">
-                <a:solidFill>
-                  <a:schemeClr val="tx1"/>
-                </a:solidFill>
-                <a:latin typeface="Times New Roman" pitchFamily="18" charset="0"/>
-              </a:defRPr>
-            </a:lvl8pPr>
-            <a:lvl9pPr marL="3886200" indent="-228600" eaLnBrk="0" fontAlgn="base" hangingPunct="0">
-              <a:spcBef>
-                <a:spcPct val="0"/>
-              </a:spcBef>
-              <a:spcAft>
-                <a:spcPct val="0"/>
-              </a:spcAft>
-              <a:defRPr sz="2400">
-                <a:solidFill>
-                  <a:schemeClr val="tx1"/>
-                </a:solidFill>
-                <a:latin typeface="Times New Roman" pitchFamily="18" charset="0"/>
-              </a:defRPr>
-            </a:lvl9pPr>
-          </a:lstStyle>
-          <a:p>
-            <a:pPr algn="ctr">
-              <a:lnSpc>
-                <a:spcPct val="200000"/>
-              </a:lnSpc>
-            </a:pPr>
-            <a:r>
-              <a:rPr lang="es-MX" sz="1600" b="1" dirty="0">
-                <a:solidFill>
-                  <a:schemeClr val="bg2">
-                    <a:lumMod val="25000"/>
-                  </a:schemeClr>
-                </a:solidFill>
-                <a:latin typeface="Arial" panose="020B0604020202020204" pitchFamily="34" charset="0"/>
-                <a:cs typeface="Arial" panose="020B0604020202020204" pitchFamily="34" charset="0"/>
-              </a:rPr>
-              <a:t>65.10.8.64 /30</a:t>
-            </a:r>
-          </a:p>
-        </p:txBody>
-      </p:sp>
-      <p:sp>
-        <p:nvSpPr>
-          <p:cNvPr id="9" name="Cerrar llave 8">
-            <a:extLst>
-              <a:ext uri="{FF2B5EF4-FFF2-40B4-BE49-F238E27FC236}">
-                <a16:creationId xmlns:a16="http://schemas.microsoft.com/office/drawing/2014/main" id="{D3024D0F-BF25-4625-9533-FEFCD4957B42}"/>
-              </a:ext>
-            </a:extLst>
-          </p:cNvPr>
-          <p:cNvSpPr/>
-          <p:nvPr/>
-        </p:nvSpPr>
-        <p:spPr>
-          <a:xfrm>
-            <a:off x="6456150" y="4753952"/>
-            <a:ext cx="360040" cy="1440160"/>
-          </a:xfrm>
-          <a:prstGeom prst="rightBrace">
-            <a:avLst/>
-          </a:prstGeom>
-        </p:spPr>
-        <p:style>
-          <a:lnRef idx="1">
-            <a:schemeClr val="accent1"/>
-          </a:lnRef>
-          <a:fillRef idx="0">
-            <a:schemeClr val="accent1"/>
-          </a:fillRef>
-          <a:effectRef idx="0">
-            <a:schemeClr val="accent1"/>
-          </a:effectRef>
-          <a:fontRef idx="minor">
-            <a:schemeClr val="tx1"/>
-          </a:fontRef>
-        </p:style>
-        <p:txBody>
-          <a:bodyPr rtlCol="0" anchor="ctr"/>
-          <a:lstStyle/>
-          <a:p>
-            <a:pPr algn="ctr"/>
-            <a:endParaRPr lang="es-MX"/>
-          </a:p>
-        </p:txBody>
-      </p:sp>
-      <p:sp>
-        <p:nvSpPr>
-          <p:cNvPr id="10" name="7 CuadroTexto">
-            <a:extLst>
-              <a:ext uri="{FF2B5EF4-FFF2-40B4-BE49-F238E27FC236}">
-                <a16:creationId xmlns:a16="http://schemas.microsoft.com/office/drawing/2014/main" id="{91F21698-DD0F-43FE-B792-45EABD1D34F2}"/>
-              </a:ext>
-            </a:extLst>
-          </p:cNvPr>
-          <p:cNvSpPr txBox="1">
-            <a:spLocks noChangeArrowheads="1"/>
-          </p:cNvSpPr>
-          <p:nvPr/>
-        </p:nvSpPr>
-        <p:spPr bwMode="auto">
-          <a:xfrm>
-            <a:off x="6456150" y="5122559"/>
-            <a:ext cx="2232248" cy="508344"/>
-          </a:xfrm>
-          <a:prstGeom prst="rect">
-            <a:avLst/>
-          </a:prstGeom>
-          <a:noFill/>
-          <a:ln>
-            <a:noFill/>
-          </a:ln>
-          <a:extLst>
-            <a:ext uri="{909E8E84-426E-40DD-AFC4-6F175D3DCCD1}">
-              <a14:hiddenFill xmlns:a14="http://schemas.microsoft.com/office/drawing/2010/main">
-                <a:solidFill>
-                  <a:srgbClr val="FFFFFF"/>
-                </a:solidFill>
-              </a14:hiddenFill>
-            </a:ext>
-            <a:ext uri="{91240B29-F687-4F45-9708-019B960494DF}">
-              <a14:hiddenLine xmlns:a14="http://schemas.microsoft.com/office/drawing/2010/main" w="9525">
-                <a:solidFill>
-                  <a:srgbClr val="000000"/>
-                </a:solidFill>
-                <a:miter lim="800000"/>
-                <a:headEnd/>
-                <a:tailEnd/>
-              </a14:hiddenLine>
-            </a:ext>
-          </a:extLst>
-        </p:spPr>
-        <p:txBody>
-          <a:bodyPr wrap="square">
-            <a:spAutoFit/>
-          </a:bodyPr>
-          <a:lstStyle>
-            <a:lvl1pPr eaLnBrk="0" hangingPunct="0">
-              <a:defRPr sz="2400">
-                <a:solidFill>
-                  <a:schemeClr val="tx1"/>
-                </a:solidFill>
-                <a:latin typeface="Times New Roman" pitchFamily="18" charset="0"/>
-              </a:defRPr>
-            </a:lvl1pPr>
-            <a:lvl2pPr marL="742950" indent="-285750" eaLnBrk="0" hangingPunct="0">
-              <a:defRPr sz="2400">
-                <a:solidFill>
-                  <a:schemeClr val="tx1"/>
-                </a:solidFill>
-                <a:latin typeface="Times New Roman" pitchFamily="18" charset="0"/>
-              </a:defRPr>
-            </a:lvl2pPr>
-            <a:lvl3pPr marL="1143000" indent="-228600" eaLnBrk="0" hangingPunct="0">
-              <a:defRPr sz="2400">
-                <a:solidFill>
-                  <a:schemeClr val="tx1"/>
-                </a:solidFill>
-                <a:latin typeface="Times New Roman" pitchFamily="18" charset="0"/>
-              </a:defRPr>
-            </a:lvl3pPr>
-            <a:lvl4pPr marL="1600200" indent="-228600" eaLnBrk="0" hangingPunct="0">
-              <a:defRPr sz="2400">
-                <a:solidFill>
-                  <a:schemeClr val="tx1"/>
-                </a:solidFill>
-                <a:latin typeface="Times New Roman" pitchFamily="18" charset="0"/>
-              </a:defRPr>
-            </a:lvl4pPr>
-            <a:lvl5pPr marL="2057400" indent="-228600" eaLnBrk="0" hangingPunct="0">
-              <a:defRPr sz="2400">
-                <a:solidFill>
-                  <a:schemeClr val="tx1"/>
-                </a:solidFill>
-                <a:latin typeface="Times New Roman" pitchFamily="18" charset="0"/>
-              </a:defRPr>
-            </a:lvl5pPr>
-            <a:lvl6pPr marL="2514600" indent="-228600" eaLnBrk="0" fontAlgn="base" hangingPunct="0">
-              <a:spcBef>
-                <a:spcPct val="0"/>
-              </a:spcBef>
-              <a:spcAft>
-                <a:spcPct val="0"/>
-              </a:spcAft>
-              <a:defRPr sz="2400">
-                <a:solidFill>
-                  <a:schemeClr val="tx1"/>
-                </a:solidFill>
-                <a:latin typeface="Times New Roman" pitchFamily="18" charset="0"/>
-              </a:defRPr>
-            </a:lvl6pPr>
-            <a:lvl7pPr marL="2971800" indent="-228600" eaLnBrk="0" fontAlgn="base" hangingPunct="0">
-              <a:spcBef>
-                <a:spcPct val="0"/>
-              </a:spcBef>
-              <a:spcAft>
-                <a:spcPct val="0"/>
-              </a:spcAft>
-              <a:defRPr sz="2400">
-                <a:solidFill>
-                  <a:schemeClr val="tx1"/>
-                </a:solidFill>
-                <a:latin typeface="Times New Roman" pitchFamily="18" charset="0"/>
-              </a:defRPr>
-            </a:lvl7pPr>
-            <a:lvl8pPr marL="3429000" indent="-228600" eaLnBrk="0" fontAlgn="base" hangingPunct="0">
-              <a:spcBef>
-                <a:spcPct val="0"/>
-              </a:spcBef>
-              <a:spcAft>
-                <a:spcPct val="0"/>
-              </a:spcAft>
-              <a:defRPr sz="2400">
-                <a:solidFill>
-                  <a:schemeClr val="tx1"/>
-                </a:solidFill>
-                <a:latin typeface="Times New Roman" pitchFamily="18" charset="0"/>
-              </a:defRPr>
-            </a:lvl8pPr>
-            <a:lvl9pPr marL="3886200" indent="-228600" eaLnBrk="0" fontAlgn="base" hangingPunct="0">
-              <a:spcBef>
-                <a:spcPct val="0"/>
-              </a:spcBef>
-              <a:spcAft>
-                <a:spcPct val="0"/>
-              </a:spcAft>
-              <a:defRPr sz="2400">
-                <a:solidFill>
-                  <a:schemeClr val="tx1"/>
-                </a:solidFill>
-                <a:latin typeface="Times New Roman" pitchFamily="18" charset="0"/>
-              </a:defRPr>
-            </a:lvl9pPr>
-          </a:lstStyle>
-          <a:p>
-            <a:pPr algn="ctr">
-              <a:lnSpc>
-                <a:spcPct val="200000"/>
-              </a:lnSpc>
-            </a:pPr>
-            <a:r>
-              <a:rPr lang="es-MX" sz="1600" b="1" dirty="0">
-                <a:solidFill>
-                  <a:schemeClr val="bg2">
-                    <a:lumMod val="25000"/>
-                  </a:schemeClr>
-                </a:solidFill>
-                <a:latin typeface="Arial" panose="020B0604020202020204" pitchFamily="34" charset="0"/>
-                <a:cs typeface="Arial" panose="020B0604020202020204" pitchFamily="34" charset="0"/>
-              </a:rPr>
-              <a:t>Pool NAT</a:t>
-            </a:r>
-          </a:p>
-        </p:txBody>
-      </p:sp>
-      <p:pic>
-        <p:nvPicPr>
-          <p:cNvPr id="11" name="Imagen 10">
-            <a:extLst>
-              <a:ext uri="{FF2B5EF4-FFF2-40B4-BE49-F238E27FC236}">
-                <a16:creationId xmlns:a16="http://schemas.microsoft.com/office/drawing/2014/main" id="{C2432A6D-DD66-4E0B-8413-F60AD1696070}"/>
-              </a:ext>
-            </a:extLst>
-          </p:cNvPr>
-          <p:cNvPicPr>
-            <a:picLocks noChangeAspect="1"/>
-          </p:cNvPicPr>
-          <p:nvPr/>
-        </p:nvPicPr>
-        <p:blipFill>
-          <a:blip r:embed="rId2"/>
-          <a:stretch>
-            <a:fillRect/>
-          </a:stretch>
-        </p:blipFill>
-        <p:spPr>
-          <a:xfrm>
-            <a:off x="730137" y="3321821"/>
-            <a:ext cx="3133725" cy="1790700"/>
-          </a:xfrm>
-          <a:prstGeom prst="rect">
-            <a:avLst/>
-          </a:prstGeom>
-        </p:spPr>
-      </p:pic>
     </p:spTree>
     <p:extLst>
       <p:ext uri="{BB962C8B-B14F-4D97-AF65-F5344CB8AC3E}">
-        <p14:creationId xmlns:p14="http://schemas.microsoft.com/office/powerpoint/2010/main" val="3731980668"/>
+        <p14:creationId xmlns:p14="http://schemas.microsoft.com/office/powerpoint/2010/main" val="1223009868"/>
       </p:ext>
     </p:extLst>
   </p:cSld>
@@ -8626,7 +7941,7 @@
                                           </p:stCondLst>
                                         </p:cTn>
                                         <p:tgtEl>
-                                          <p:spTgt spid="4"/>
+                                          <p:spTgt spid="5"/>
                                         </p:tgtEl>
                                         <p:attrNameLst>
                                           <p:attrName>style.visibility</p:attrName>
@@ -8640,113 +7955,7 @@
                                       <p:cBhvr>
                                         <p:cTn id="7" dur="500"/>
                                         <p:tgtEl>
-                                          <p:spTgt spid="4"/>
-                                        </p:tgtEl>
-                                      </p:cBhvr>
-                                    </p:animEffect>
-                                  </p:childTnLst>
-                                </p:cTn>
-                              </p:par>
-                            </p:childTnLst>
-                          </p:cTn>
-                        </p:par>
-                      </p:childTnLst>
-                    </p:cTn>
-                  </p:par>
-                  <p:par>
-                    <p:cTn id="8" fill="hold">
-                      <p:stCondLst>
-                        <p:cond delay="indefinite"/>
-                      </p:stCondLst>
-                      <p:childTnLst>
-                        <p:par>
-                          <p:cTn id="9" fill="hold">
-                            <p:stCondLst>
-                              <p:cond delay="0"/>
-                            </p:stCondLst>
-                            <p:childTnLst>
-                              <p:par>
-                                <p:cTn id="10" presetID="4" presetClass="entr" presetSubtype="16" fill="hold" grpId="0" nodeType="clickEffect">
-                                  <p:stCondLst>
-                                    <p:cond delay="0"/>
-                                  </p:stCondLst>
-                                  <p:childTnLst>
-                                    <p:set>
-                                      <p:cBhvr>
-                                        <p:cTn id="11" dur="1" fill="hold">
-                                          <p:stCondLst>
-                                            <p:cond delay="0"/>
-                                          </p:stCondLst>
-                                        </p:cTn>
-                                        <p:tgtEl>
-                                          <p:spTgt spid="7"/>
-                                        </p:tgtEl>
-                                        <p:attrNameLst>
-                                          <p:attrName>style.visibility</p:attrName>
-                                        </p:attrNameLst>
-                                      </p:cBhvr>
-                                      <p:to>
-                                        <p:strVal val="visible"/>
-                                      </p:to>
-                                    </p:set>
-                                    <p:animEffect transition="in" filter="box(in)">
-                                      <p:cBhvr>
-                                        <p:cTn id="12" dur="500"/>
-                                        <p:tgtEl>
-                                          <p:spTgt spid="7"/>
-                                        </p:tgtEl>
-                                      </p:cBhvr>
-                                    </p:animEffect>
-                                  </p:childTnLst>
-                                </p:cTn>
-                              </p:par>
-                            </p:childTnLst>
-                          </p:cTn>
-                        </p:par>
-                      </p:childTnLst>
-                    </p:cTn>
-                  </p:par>
-                  <p:par>
-                    <p:cTn id="13" fill="hold">
-                      <p:stCondLst>
-                        <p:cond delay="indefinite"/>
-                      </p:stCondLst>
-                      <p:childTnLst>
-                        <p:par>
-                          <p:cTn id="14" fill="hold">
-                            <p:stCondLst>
-                              <p:cond delay="0"/>
-                            </p:stCondLst>
-                            <p:childTnLst>
-                              <p:par>
-                                <p:cTn id="15" presetID="4" presetClass="entr" presetSubtype="16" fill="hold" grpId="0" nodeType="clickEffect">
-                                  <p:stCondLst>
-                                    <p:cond delay="0"/>
-                                  </p:stCondLst>
-                                  <p:childTnLst>
-                                    <p:set>
-                                      <p:cBhvr>
-                                        <p:cTn id="16" dur="1" fill="hold">
-                                          <p:stCondLst>
-                                            <p:cond delay="0"/>
-                                          </p:stCondLst>
-                                        </p:cTn>
-                                        <p:tgtEl>
-                                          <p:spTgt spid="10"/>
-                                        </p:tgtEl>
-                                        <p:attrNameLst>
-                                          <p:attrName>style.visibility</p:attrName>
-                                        </p:attrNameLst>
-                                      </p:cBhvr>
-                                      <p:to>
-                                        <p:strVal val="visible"/>
-                                      </p:to>
-                                    </p:set>
-                                    <p:animEffect transition="in" filter="box(in)">
-                                      <p:cBhvr>
-                                        <p:cTn id="17" dur="500"/>
-                                        <p:tgtEl>
-                                          <p:spTgt spid="10"/>
+                                          <p:spTgt spid="5"/>
                                         </p:tgtEl>
                                       </p:cBhvr>
                                     </p:animEffect>
@@ -8781,9 +7990,710 @@
       </p:par>
     </p:tnLst>
     <p:bldLst>
-      <p:bldP spid="4" grpId="0"/>
-      <p:bldP spid="7" grpId="0"/>
-      <p:bldP spid="10" grpId="0"/>
+      <p:bldP spid="5" grpId="0"/>
+    </p:bldLst>
+  </p:timing>
+</p:sld>
+</file>
+
+<file path=ppt/slides/slide9.xml><?xml version="1.0" encoding="utf-8"?>
+<p:sld xmlns:a="http://schemas.openxmlformats.org/drawingml/2006/main" xmlns:r="http://schemas.openxmlformats.org/officeDocument/2006/relationships" xmlns:p="http://schemas.openxmlformats.org/presentationml/2006/main">
+  <p:cSld>
+    <p:spTree>
+      <p:nvGrpSpPr>
+        <p:cNvPr id="1" name=""/>
+        <p:cNvGrpSpPr/>
+        <p:nvPr/>
+      </p:nvGrpSpPr>
+      <p:grpSpPr>
+        <a:xfrm>
+          <a:off x="0" y="0"/>
+          <a:ext cx="0" cy="0"/>
+          <a:chOff x="0" y="0"/>
+          <a:chExt cx="0" cy="0"/>
+        </a:xfrm>
+      </p:grpSpPr>
+      <p:pic>
+        <p:nvPicPr>
+          <p:cNvPr id="7" name="Picture 6">
+            <a:extLst>
+              <a:ext uri="{FF2B5EF4-FFF2-40B4-BE49-F238E27FC236}">
+                <a16:creationId xmlns:a16="http://schemas.microsoft.com/office/drawing/2014/main" id="{CCEB6630-D58C-6172-1454-71F2EACDFAF4}"/>
+              </a:ext>
+            </a:extLst>
+          </p:cNvPr>
+          <p:cNvPicPr>
+            <a:picLocks noChangeAspect="1"/>
+          </p:cNvPicPr>
+          <p:nvPr/>
+        </p:nvPicPr>
+        <p:blipFill>
+          <a:blip r:embed="rId2"/>
+          <a:stretch>
+            <a:fillRect/>
+          </a:stretch>
+        </p:blipFill>
+        <p:spPr>
+          <a:xfrm>
+            <a:off x="166533" y="3789040"/>
+            <a:ext cx="8784976" cy="2957252"/>
+          </a:xfrm>
+          <a:prstGeom prst="rect">
+            <a:avLst/>
+          </a:prstGeom>
+        </p:spPr>
+      </p:pic>
+      <p:sp>
+        <p:nvSpPr>
+          <p:cNvPr id="8" name="Rectangle 2"/>
+          <p:cNvSpPr txBox="1">
+            <a:spLocks noChangeArrowheads="1"/>
+          </p:cNvSpPr>
+          <p:nvPr/>
+        </p:nvSpPr>
+        <p:spPr>
+          <a:xfrm>
+            <a:off x="179512" y="0"/>
+            <a:ext cx="8784976" cy="1124744"/>
+          </a:xfrm>
+          <a:prstGeom prst="rect">
+            <a:avLst/>
+          </a:prstGeom>
+        </p:spPr>
+        <p:txBody>
+          <a:bodyPr vert="horz" lIns="92075" tIns="46038" rIns="92075" bIns="46038" rtlCol="0" anchor="ctr">
+            <a:noAutofit/>
+          </a:bodyPr>
+          <a:lstStyle>
+            <a:lvl1pPr algn="ctr" defTabSz="914400" rtl="0" eaLnBrk="1" latinLnBrk="0" hangingPunct="1">
+              <a:spcBef>
+                <a:spcPct val="0"/>
+              </a:spcBef>
+              <a:buNone/>
+              <a:defRPr sz="4400" kern="1200">
+                <a:solidFill>
+                  <a:schemeClr val="tx1"/>
+                </a:solidFill>
+                <a:latin typeface="+mj-lt"/>
+                <a:ea typeface="+mj-ea"/>
+                <a:cs typeface="+mj-cs"/>
+              </a:defRPr>
+            </a:lvl1pPr>
+          </a:lstStyle>
+          <a:p>
+            <a:pPr>
+              <a:defRPr/>
+            </a:pPr>
+            <a:r>
+              <a:rPr lang="es-ES_tradnl" sz="3200" dirty="0">
+                <a:solidFill>
+                  <a:srgbClr val="3333CC"/>
+                </a:solidFill>
+                <a:effectLst>
+                  <a:outerShdw blurRad="38100" dist="38100" dir="2700000" algn="tl">
+                    <a:srgbClr val="C0C0C0"/>
+                  </a:outerShdw>
+                </a:effectLst>
+                <a:latin typeface="Dom Casual" charset="0"/>
+              </a:rPr>
+              <a:t> </a:t>
+            </a:r>
+            <a:r>
+              <a:rPr lang="es-ES_tradnl" sz="3200" b="1" dirty="0">
+                <a:solidFill>
+                  <a:schemeClr val="accent4">
+                    <a:lumMod val="50000"/>
+                  </a:schemeClr>
+                </a:solidFill>
+                <a:effectLst>
+                  <a:outerShdw blurRad="38100" dist="38100" dir="2700000" algn="tl">
+                    <a:srgbClr val="C0C0C0"/>
+                  </a:outerShdw>
+                </a:effectLst>
+                <a:latin typeface="Dom Casual" charset="0"/>
+              </a:rPr>
+              <a:t>Configuración de NAT</a:t>
+            </a:r>
+          </a:p>
+        </p:txBody>
+      </p:sp>
+      <p:sp>
+        <p:nvSpPr>
+          <p:cNvPr id="5" name="7 CuadroTexto">
+            <a:extLst>
+              <a:ext uri="{FF2B5EF4-FFF2-40B4-BE49-F238E27FC236}">
+                <a16:creationId xmlns:a16="http://schemas.microsoft.com/office/drawing/2014/main" id="{53A6B150-9682-60C5-EAF4-78F92F3DC7EE}"/>
+              </a:ext>
+            </a:extLst>
+          </p:cNvPr>
+          <p:cNvSpPr txBox="1">
+            <a:spLocks noChangeArrowheads="1"/>
+          </p:cNvSpPr>
+          <p:nvPr/>
+        </p:nvSpPr>
+        <p:spPr bwMode="auto">
+          <a:xfrm>
+            <a:off x="251520" y="941013"/>
+            <a:ext cx="8640960" cy="3053208"/>
+          </a:xfrm>
+          <a:prstGeom prst="rect">
+            <a:avLst/>
+          </a:prstGeom>
+          <a:noFill/>
+          <a:ln>
+            <a:noFill/>
+          </a:ln>
+          <a:extLst>
+            <a:ext uri="{909E8E84-426E-40DD-AFC4-6F175D3DCCD1}">
+              <a14:hiddenFill xmlns:a14="http://schemas.microsoft.com/office/drawing/2010/main">
+                <a:solidFill>
+                  <a:srgbClr val="FFFFFF"/>
+                </a:solidFill>
+              </a14:hiddenFill>
+            </a:ext>
+            <a:ext uri="{91240B29-F687-4F45-9708-019B960494DF}">
+              <a14:hiddenLine xmlns:a14="http://schemas.microsoft.com/office/drawing/2010/main" w="9525">
+                <a:solidFill>
+                  <a:srgbClr val="000000"/>
+                </a:solidFill>
+                <a:miter lim="800000"/>
+                <a:headEnd/>
+                <a:tailEnd/>
+              </a14:hiddenLine>
+            </a:ext>
+          </a:extLst>
+        </p:spPr>
+        <p:txBody>
+          <a:bodyPr wrap="square">
+            <a:spAutoFit/>
+          </a:bodyPr>
+          <a:lstStyle>
+            <a:lvl1pPr eaLnBrk="0" hangingPunct="0">
+              <a:defRPr sz="2400">
+                <a:solidFill>
+                  <a:schemeClr val="tx1"/>
+                </a:solidFill>
+                <a:latin typeface="Times New Roman" pitchFamily="18" charset="0"/>
+              </a:defRPr>
+            </a:lvl1pPr>
+            <a:lvl2pPr marL="742950" indent="-285750" eaLnBrk="0" hangingPunct="0">
+              <a:defRPr sz="2400">
+                <a:solidFill>
+                  <a:schemeClr val="tx1"/>
+                </a:solidFill>
+                <a:latin typeface="Times New Roman" pitchFamily="18" charset="0"/>
+              </a:defRPr>
+            </a:lvl2pPr>
+            <a:lvl3pPr marL="1143000" indent="-228600" eaLnBrk="0" hangingPunct="0">
+              <a:defRPr sz="2400">
+                <a:solidFill>
+                  <a:schemeClr val="tx1"/>
+                </a:solidFill>
+                <a:latin typeface="Times New Roman" pitchFamily="18" charset="0"/>
+              </a:defRPr>
+            </a:lvl3pPr>
+            <a:lvl4pPr marL="1600200" indent="-228600" eaLnBrk="0" hangingPunct="0">
+              <a:defRPr sz="2400">
+                <a:solidFill>
+                  <a:schemeClr val="tx1"/>
+                </a:solidFill>
+                <a:latin typeface="Times New Roman" pitchFamily="18" charset="0"/>
+              </a:defRPr>
+            </a:lvl4pPr>
+            <a:lvl5pPr marL="2057400" indent="-228600" eaLnBrk="0" hangingPunct="0">
+              <a:defRPr sz="2400">
+                <a:solidFill>
+                  <a:schemeClr val="tx1"/>
+                </a:solidFill>
+                <a:latin typeface="Times New Roman" pitchFamily="18" charset="0"/>
+              </a:defRPr>
+            </a:lvl5pPr>
+            <a:lvl6pPr marL="2514600" indent="-228600" eaLnBrk="0" fontAlgn="base" hangingPunct="0">
+              <a:spcBef>
+                <a:spcPct val="0"/>
+              </a:spcBef>
+              <a:spcAft>
+                <a:spcPct val="0"/>
+              </a:spcAft>
+              <a:defRPr sz="2400">
+                <a:solidFill>
+                  <a:schemeClr val="tx1"/>
+                </a:solidFill>
+                <a:latin typeface="Times New Roman" pitchFamily="18" charset="0"/>
+              </a:defRPr>
+            </a:lvl6pPr>
+            <a:lvl7pPr marL="2971800" indent="-228600" eaLnBrk="0" fontAlgn="base" hangingPunct="0">
+              <a:spcBef>
+                <a:spcPct val="0"/>
+              </a:spcBef>
+              <a:spcAft>
+                <a:spcPct val="0"/>
+              </a:spcAft>
+              <a:defRPr sz="2400">
+                <a:solidFill>
+                  <a:schemeClr val="tx1"/>
+                </a:solidFill>
+                <a:latin typeface="Times New Roman" pitchFamily="18" charset="0"/>
+              </a:defRPr>
+            </a:lvl7pPr>
+            <a:lvl8pPr marL="3429000" indent="-228600" eaLnBrk="0" fontAlgn="base" hangingPunct="0">
+              <a:spcBef>
+                <a:spcPct val="0"/>
+              </a:spcBef>
+              <a:spcAft>
+                <a:spcPct val="0"/>
+              </a:spcAft>
+              <a:defRPr sz="2400">
+                <a:solidFill>
+                  <a:schemeClr val="tx1"/>
+                </a:solidFill>
+                <a:latin typeface="Times New Roman" pitchFamily="18" charset="0"/>
+              </a:defRPr>
+            </a:lvl8pPr>
+            <a:lvl9pPr marL="3886200" indent="-228600" eaLnBrk="0" fontAlgn="base" hangingPunct="0">
+              <a:spcBef>
+                <a:spcPct val="0"/>
+              </a:spcBef>
+              <a:spcAft>
+                <a:spcPct val="0"/>
+              </a:spcAft>
+              <a:defRPr sz="2400">
+                <a:solidFill>
+                  <a:schemeClr val="tx1"/>
+                </a:solidFill>
+                <a:latin typeface="Times New Roman" pitchFamily="18" charset="0"/>
+              </a:defRPr>
+            </a:lvl9pPr>
+          </a:lstStyle>
+          <a:p>
+            <a:pPr marL="342900" indent="-342900" algn="just">
+              <a:lnSpc>
+                <a:spcPct val="150000"/>
+              </a:lnSpc>
+              <a:spcBef>
+                <a:spcPts val="1200"/>
+              </a:spcBef>
+              <a:buFont typeface="+mj-lt"/>
+              <a:buAutoNum type="arabicPeriod" startAt="4"/>
+            </a:pPr>
+            <a:r>
+              <a:rPr lang="es-MX" sz="1400" dirty="0">
+                <a:solidFill>
+                  <a:schemeClr val="bg2">
+                    <a:lumMod val="25000"/>
+                  </a:schemeClr>
+                </a:solidFill>
+                <a:latin typeface="Arial" panose="020B0604020202020204" pitchFamily="34" charset="0"/>
+                <a:cs typeface="Arial" panose="020B0604020202020204" pitchFamily="34" charset="0"/>
+              </a:rPr>
+              <a:t>Especificar las </a:t>
+            </a:r>
+            <a:r>
+              <a:rPr lang="es-MX" sz="1400" b="1" dirty="0">
+                <a:solidFill>
+                  <a:schemeClr val="bg2">
+                    <a:lumMod val="25000"/>
+                  </a:schemeClr>
+                </a:solidFill>
+                <a:latin typeface="Arial" panose="020B0604020202020204" pitchFamily="34" charset="0"/>
+                <a:cs typeface="Arial" panose="020B0604020202020204" pitchFamily="34" charset="0"/>
+              </a:rPr>
+              <a:t>interfaces interiores y exteriores</a:t>
+            </a:r>
+            <a:r>
+              <a:rPr lang="es-MX" sz="1400" dirty="0">
+                <a:solidFill>
+                  <a:schemeClr val="bg2">
+                    <a:lumMod val="25000"/>
+                  </a:schemeClr>
+                </a:solidFill>
+                <a:latin typeface="Arial" panose="020B0604020202020204" pitchFamily="34" charset="0"/>
+                <a:cs typeface="Arial" panose="020B0604020202020204" pitchFamily="34" charset="0"/>
+              </a:rPr>
+              <a:t>, es decir, vamos a especificar si haremos </a:t>
+            </a:r>
+            <a:r>
+              <a:rPr lang="es-MX" sz="1400" dirty="0" err="1">
+                <a:solidFill>
+                  <a:schemeClr val="bg2">
+                    <a:lumMod val="25000"/>
+                  </a:schemeClr>
+                </a:solidFill>
+                <a:latin typeface="Arial" panose="020B0604020202020204" pitchFamily="34" charset="0"/>
+                <a:cs typeface="Arial" panose="020B0604020202020204" pitchFamily="34" charset="0"/>
+              </a:rPr>
+              <a:t>nateo</a:t>
+            </a:r>
+            <a:r>
+              <a:rPr lang="es-MX" sz="1400" dirty="0">
+                <a:solidFill>
+                  <a:schemeClr val="bg2">
+                    <a:lumMod val="25000"/>
+                  </a:schemeClr>
+                </a:solidFill>
+                <a:latin typeface="Arial" panose="020B0604020202020204" pitchFamily="34" charset="0"/>
+                <a:cs typeface="Arial" panose="020B0604020202020204" pitchFamily="34" charset="0"/>
+              </a:rPr>
+              <a:t> interno o externo.</a:t>
+            </a:r>
+          </a:p>
+          <a:p>
+            <a:pPr lvl="1">
+              <a:lnSpc>
+                <a:spcPct val="150000"/>
+              </a:lnSpc>
+            </a:pPr>
+            <a:r>
+              <a:rPr lang="es-MX" sz="1400" b="1" dirty="0">
+                <a:solidFill>
+                  <a:schemeClr val="accent6">
+                    <a:lumMod val="75000"/>
+                  </a:schemeClr>
+                </a:solidFill>
+                <a:latin typeface="Arial" panose="020B0604020202020204" pitchFamily="34" charset="0"/>
+                <a:cs typeface="Arial" panose="020B0604020202020204" pitchFamily="34" charset="0"/>
+              </a:rPr>
+              <a:t>interface </a:t>
+            </a:r>
+            <a:r>
+              <a:rPr lang="es-MX" sz="1400" b="1" dirty="0">
+                <a:solidFill>
+                  <a:schemeClr val="accent5">
+                    <a:lumMod val="75000"/>
+                  </a:schemeClr>
+                </a:solidFill>
+                <a:latin typeface="Arial" panose="020B0604020202020204" pitchFamily="34" charset="0"/>
+                <a:cs typeface="Arial" panose="020B0604020202020204" pitchFamily="34" charset="0"/>
+              </a:rPr>
+              <a:t>Tipo-Número</a:t>
+            </a:r>
+          </a:p>
+          <a:p>
+            <a:pPr lvl="1">
+              <a:lnSpc>
+                <a:spcPct val="150000"/>
+              </a:lnSpc>
+            </a:pPr>
+            <a:r>
+              <a:rPr lang="es-MX" sz="1400" b="1" dirty="0" err="1">
+                <a:solidFill>
+                  <a:schemeClr val="accent6">
+                    <a:lumMod val="75000"/>
+                  </a:schemeClr>
+                </a:solidFill>
+                <a:latin typeface="Arial" panose="020B0604020202020204" pitchFamily="34" charset="0"/>
+                <a:cs typeface="Arial" panose="020B0604020202020204" pitchFamily="34" charset="0"/>
+              </a:rPr>
+              <a:t>ip</a:t>
+            </a:r>
+            <a:r>
+              <a:rPr lang="es-MX" sz="1400" b="1" dirty="0">
+                <a:solidFill>
+                  <a:schemeClr val="accent6">
+                    <a:lumMod val="75000"/>
+                  </a:schemeClr>
+                </a:solidFill>
+                <a:latin typeface="Arial" panose="020B0604020202020204" pitchFamily="34" charset="0"/>
+                <a:cs typeface="Arial" panose="020B0604020202020204" pitchFamily="34" charset="0"/>
+              </a:rPr>
+              <a:t> </a:t>
+            </a:r>
+            <a:r>
+              <a:rPr lang="es-MX" sz="1400" b="1" dirty="0" err="1">
+                <a:solidFill>
+                  <a:schemeClr val="accent6">
+                    <a:lumMod val="75000"/>
+                  </a:schemeClr>
+                </a:solidFill>
+                <a:latin typeface="Arial" panose="020B0604020202020204" pitchFamily="34" charset="0"/>
+                <a:cs typeface="Arial" panose="020B0604020202020204" pitchFamily="34" charset="0"/>
+              </a:rPr>
+              <a:t>nat</a:t>
+            </a:r>
+            <a:r>
+              <a:rPr lang="es-MX" sz="1400" b="1" dirty="0">
+                <a:solidFill>
+                  <a:schemeClr val="accent6">
+                    <a:lumMod val="75000"/>
+                  </a:schemeClr>
+                </a:solidFill>
+                <a:latin typeface="Arial" panose="020B0604020202020204" pitchFamily="34" charset="0"/>
+                <a:cs typeface="Arial" panose="020B0604020202020204" pitchFamily="34" charset="0"/>
+              </a:rPr>
+              <a:t> </a:t>
+            </a:r>
+            <a:r>
+              <a:rPr lang="es-MX" sz="1400" b="1" dirty="0" err="1">
+                <a:solidFill>
+                  <a:schemeClr val="accent6">
+                    <a:lumMod val="75000"/>
+                  </a:schemeClr>
+                </a:solidFill>
+                <a:latin typeface="Arial" panose="020B0604020202020204" pitchFamily="34" charset="0"/>
+                <a:cs typeface="Arial" panose="020B0604020202020204" pitchFamily="34" charset="0"/>
+              </a:rPr>
+              <a:t>inside</a:t>
+            </a:r>
+            <a:endParaRPr lang="es-MX" sz="1400" b="1" dirty="0">
+              <a:solidFill>
+                <a:schemeClr val="accent6">
+                  <a:lumMod val="75000"/>
+                </a:schemeClr>
+              </a:solidFill>
+              <a:latin typeface="Arial" panose="020B0604020202020204" pitchFamily="34" charset="0"/>
+              <a:cs typeface="Arial" panose="020B0604020202020204" pitchFamily="34" charset="0"/>
+            </a:endParaRPr>
+          </a:p>
+          <a:p>
+            <a:pPr lvl="1">
+              <a:lnSpc>
+                <a:spcPct val="150000"/>
+              </a:lnSpc>
+            </a:pPr>
+            <a:r>
+              <a:rPr lang="es-MX" sz="1400" u="sng" dirty="0">
+                <a:latin typeface="Arial" panose="020B0604020202020204" pitchFamily="34" charset="0"/>
+                <a:cs typeface="Arial" panose="020B0604020202020204" pitchFamily="34" charset="0"/>
+              </a:rPr>
+              <a:t>Todas las interfaces que tengamos configuradas en nuestra red local.</a:t>
+            </a:r>
+          </a:p>
+          <a:p>
+            <a:pPr lvl="1">
+              <a:lnSpc>
+                <a:spcPct val="150000"/>
+              </a:lnSpc>
+              <a:spcBef>
+                <a:spcPts val="600"/>
+              </a:spcBef>
+            </a:pPr>
+            <a:r>
+              <a:rPr lang="es-MX" sz="1400" b="1" dirty="0">
+                <a:solidFill>
+                  <a:schemeClr val="accent6">
+                    <a:lumMod val="75000"/>
+                  </a:schemeClr>
+                </a:solidFill>
+                <a:latin typeface="Arial" panose="020B0604020202020204" pitchFamily="34" charset="0"/>
+                <a:cs typeface="Arial" panose="020B0604020202020204" pitchFamily="34" charset="0"/>
+              </a:rPr>
+              <a:t>interface </a:t>
+            </a:r>
+            <a:r>
+              <a:rPr lang="es-MX" sz="1400" b="1" dirty="0">
+                <a:solidFill>
+                  <a:schemeClr val="accent5">
+                    <a:lumMod val="75000"/>
+                  </a:schemeClr>
+                </a:solidFill>
+                <a:latin typeface="Arial" panose="020B0604020202020204" pitchFamily="34" charset="0"/>
+                <a:cs typeface="Arial" panose="020B0604020202020204" pitchFamily="34" charset="0"/>
+              </a:rPr>
+              <a:t>Tipo-Número</a:t>
+            </a:r>
+          </a:p>
+          <a:p>
+            <a:pPr lvl="1">
+              <a:lnSpc>
+                <a:spcPct val="150000"/>
+              </a:lnSpc>
+            </a:pPr>
+            <a:r>
+              <a:rPr lang="es-MX" sz="1400" b="1" dirty="0" err="1">
+                <a:solidFill>
+                  <a:schemeClr val="accent6">
+                    <a:lumMod val="75000"/>
+                  </a:schemeClr>
+                </a:solidFill>
+                <a:latin typeface="Arial" panose="020B0604020202020204" pitchFamily="34" charset="0"/>
+                <a:cs typeface="Arial" panose="020B0604020202020204" pitchFamily="34" charset="0"/>
+              </a:rPr>
+              <a:t>ip</a:t>
+            </a:r>
+            <a:r>
+              <a:rPr lang="es-MX" sz="1400" b="1" dirty="0">
+                <a:solidFill>
+                  <a:schemeClr val="accent6">
+                    <a:lumMod val="75000"/>
+                  </a:schemeClr>
+                </a:solidFill>
+                <a:latin typeface="Arial" panose="020B0604020202020204" pitchFamily="34" charset="0"/>
+                <a:cs typeface="Arial" panose="020B0604020202020204" pitchFamily="34" charset="0"/>
+              </a:rPr>
+              <a:t> </a:t>
+            </a:r>
+            <a:r>
+              <a:rPr lang="es-MX" sz="1400" b="1" dirty="0" err="1">
+                <a:solidFill>
+                  <a:schemeClr val="accent6">
+                    <a:lumMod val="75000"/>
+                  </a:schemeClr>
+                </a:solidFill>
+                <a:latin typeface="Arial" panose="020B0604020202020204" pitchFamily="34" charset="0"/>
+                <a:cs typeface="Arial" panose="020B0604020202020204" pitchFamily="34" charset="0"/>
+              </a:rPr>
+              <a:t>nat</a:t>
+            </a:r>
+            <a:r>
+              <a:rPr lang="es-MX" sz="1400" b="1" dirty="0">
+                <a:solidFill>
+                  <a:schemeClr val="accent6">
+                    <a:lumMod val="75000"/>
+                  </a:schemeClr>
+                </a:solidFill>
+                <a:latin typeface="Arial" panose="020B0604020202020204" pitchFamily="34" charset="0"/>
+                <a:cs typeface="Arial" panose="020B0604020202020204" pitchFamily="34" charset="0"/>
+              </a:rPr>
+              <a:t> </a:t>
+            </a:r>
+            <a:r>
+              <a:rPr lang="es-MX" sz="1400" b="1" dirty="0" err="1">
+                <a:solidFill>
+                  <a:schemeClr val="accent6">
+                    <a:lumMod val="75000"/>
+                  </a:schemeClr>
+                </a:solidFill>
+                <a:latin typeface="Arial" panose="020B0604020202020204" pitchFamily="34" charset="0"/>
+                <a:cs typeface="Arial" panose="020B0604020202020204" pitchFamily="34" charset="0"/>
+              </a:rPr>
+              <a:t>outside</a:t>
+            </a:r>
+            <a:endParaRPr lang="es-MX" sz="1400" b="1" dirty="0">
+              <a:solidFill>
+                <a:schemeClr val="accent6">
+                  <a:lumMod val="75000"/>
+                </a:schemeClr>
+              </a:solidFill>
+              <a:latin typeface="Arial" panose="020B0604020202020204" pitchFamily="34" charset="0"/>
+              <a:cs typeface="Arial" panose="020B0604020202020204" pitchFamily="34" charset="0"/>
+            </a:endParaRPr>
+          </a:p>
+          <a:p>
+            <a:pPr marL="452438" lvl="1" indent="0">
+              <a:lnSpc>
+                <a:spcPct val="150000"/>
+              </a:lnSpc>
+            </a:pPr>
+            <a:r>
+              <a:rPr lang="es-MX" sz="1400" u="sng" dirty="0">
+                <a:latin typeface="Arial" panose="020B0604020202020204" pitchFamily="34" charset="0"/>
+                <a:cs typeface="Arial" panose="020B0604020202020204" pitchFamily="34" charset="0"/>
+              </a:rPr>
+              <a:t>Todas las interfaces que tengamos configuradas con un proveedor de servicios (ISP</a:t>
+            </a:r>
+            <a:r>
+              <a:rPr lang="es-MX" sz="1400" dirty="0">
+                <a:latin typeface="Arial" panose="020B0604020202020204" pitchFamily="34" charset="0"/>
+                <a:cs typeface="Arial" panose="020B0604020202020204" pitchFamily="34" charset="0"/>
+              </a:rPr>
+              <a:t>), ya que por ahí va a salir la traducción del direccionamiento privado a público.</a:t>
+            </a:r>
+            <a:endParaRPr lang="es-MX" sz="1400" dirty="0">
+              <a:solidFill>
+                <a:schemeClr val="bg2">
+                  <a:lumMod val="25000"/>
+                </a:schemeClr>
+              </a:solidFill>
+              <a:latin typeface="Arial" panose="020B0604020202020204" pitchFamily="34" charset="0"/>
+              <a:cs typeface="Arial" panose="020B0604020202020204" pitchFamily="34" charset="0"/>
+            </a:endParaRPr>
+          </a:p>
+        </p:txBody>
+      </p:sp>
+    </p:spTree>
+    <p:extLst>
+      <p:ext uri="{BB962C8B-B14F-4D97-AF65-F5344CB8AC3E}">
+        <p14:creationId xmlns:p14="http://schemas.microsoft.com/office/powerpoint/2010/main" val="1051847141"/>
+      </p:ext>
+    </p:extLst>
+  </p:cSld>
+  <p:clrMapOvr>
+    <a:masterClrMapping/>
+  </p:clrMapOvr>
+  <p:timing>
+    <p:tnLst>
+      <p:par>
+        <p:cTn id="1" dur="indefinite" restart="never" nodeType="tmRoot">
+          <p:childTnLst>
+            <p:seq concurrent="1" nextAc="seek">
+              <p:cTn id="2" dur="indefinite" nodeType="mainSeq">
+                <p:childTnLst>
+                  <p:par>
+                    <p:cTn id="3" fill="hold">
+                      <p:stCondLst>
+                        <p:cond delay="indefinite"/>
+                      </p:stCondLst>
+                      <p:childTnLst>
+                        <p:par>
+                          <p:cTn id="4" fill="hold">
+                            <p:stCondLst>
+                              <p:cond delay="0"/>
+                            </p:stCondLst>
+                            <p:childTnLst>
+                              <p:par>
+                                <p:cTn id="5" presetID="4" presetClass="entr" presetSubtype="16" fill="hold" grpId="0" nodeType="clickEffect">
+                                  <p:stCondLst>
+                                    <p:cond delay="0"/>
+                                  </p:stCondLst>
+                                  <p:childTnLst>
+                                    <p:set>
+                                      <p:cBhvr>
+                                        <p:cTn id="6" dur="1" fill="hold">
+                                          <p:stCondLst>
+                                            <p:cond delay="0"/>
+                                          </p:stCondLst>
+                                        </p:cTn>
+                                        <p:tgtEl>
+                                          <p:spTgt spid="5"/>
+                                        </p:tgtEl>
+                                        <p:attrNameLst>
+                                          <p:attrName>style.visibility</p:attrName>
+                                        </p:attrNameLst>
+                                      </p:cBhvr>
+                                      <p:to>
+                                        <p:strVal val="visible"/>
+                                      </p:to>
+                                    </p:set>
+                                    <p:animEffect transition="in" filter="box(in)">
+                                      <p:cBhvr>
+                                        <p:cTn id="7" dur="500"/>
+                                        <p:tgtEl>
+                                          <p:spTgt spid="5"/>
+                                        </p:tgtEl>
+                                      </p:cBhvr>
+                                    </p:animEffect>
+                                  </p:childTnLst>
+                                </p:cTn>
+                              </p:par>
+                            </p:childTnLst>
+                          </p:cTn>
+                        </p:par>
+                      </p:childTnLst>
+                    </p:cTn>
+                  </p:par>
+                </p:childTnLst>
+              </p:cTn>
+              <p:prevCondLst>
+                <p:cond evt="onPrev" delay="0">
+                  <p:tgtEl>
+                    <p:sldTgt/>
+                  </p:tgtEl>
+                </p:cond>
+              </p:prevCondLst>
+              <p:nextCondLst>
+                <p:cond evt="onNext" delay="0">
+                  <p:tgtEl>
+                    <p:sldTgt/>
+                  </p:tgtEl>
+                </p:cond>
+              </p:nextCondLst>
+            </p:seq>
+          </p:childTnLst>
+        </p:cTn>
+      </p:par>
+    </p:tnLst>
+    <p:bldLst>
+      <p:bldP spid="5" grpId="0"/>
     </p:bldLst>
   </p:timing>
 </p:sld>

--- a/Calendario2024/Ejercicios/E18_NAT/Ejercicio18.pptx
+++ b/Calendario2024/Ejercicios/E18_NAT/Ejercicio18.pptx
@@ -217,7 +217,7 @@
           <a:p>
             <a:fld id="{2D445F07-8756-451B-A938-0248325FC7BB}" type="datetimeFigureOut">
               <a:rPr lang="es-MX" smtClean="0"/>
-              <a:t>21/04/2024</a:t>
+              <a:t>23/04/2024</a:t>
             </a:fld>
             <a:endParaRPr lang="es-MX" dirty="0"/>
           </a:p>
@@ -569,6 +569,90 @@
 </p:notes>
 </file>
 
+<file path=ppt/notesSlides/notesSlide2.xml><?xml version="1.0" encoding="utf-8"?>
+<p:notes xmlns:a="http://schemas.openxmlformats.org/drawingml/2006/main" xmlns:r="http://schemas.openxmlformats.org/officeDocument/2006/relationships" xmlns:p="http://schemas.openxmlformats.org/presentationml/2006/main">
+  <p:cSld>
+    <p:spTree>
+      <p:nvGrpSpPr>
+        <p:cNvPr id="1" name=""/>
+        <p:cNvGrpSpPr/>
+        <p:nvPr/>
+      </p:nvGrpSpPr>
+      <p:grpSpPr>
+        <a:xfrm>
+          <a:off x="0" y="0"/>
+          <a:ext cx="0" cy="0"/>
+          <a:chOff x="0" y="0"/>
+          <a:chExt cx="0" cy="0"/>
+        </a:xfrm>
+      </p:grpSpPr>
+      <p:sp>
+        <p:nvSpPr>
+          <p:cNvPr id="2" name="Slide Image Placeholder 1"/>
+          <p:cNvSpPr>
+            <a:spLocks noGrp="1" noRot="1" noChangeAspect="1"/>
+          </p:cNvSpPr>
+          <p:nvPr>
+            <p:ph type="sldImg"/>
+          </p:nvPr>
+        </p:nvSpPr>
+        <p:spPr/>
+      </p:sp>
+      <p:sp>
+        <p:nvSpPr>
+          <p:cNvPr id="3" name="Notes Placeholder 2"/>
+          <p:cNvSpPr>
+            <a:spLocks noGrp="1"/>
+          </p:cNvSpPr>
+          <p:nvPr>
+            <p:ph type="body" idx="1"/>
+          </p:nvPr>
+        </p:nvSpPr>
+        <p:spPr/>
+        <p:txBody>
+          <a:bodyPr/>
+          <a:lstStyle/>
+          <a:p>
+            <a:endParaRPr lang="es-MX" dirty="0"/>
+          </a:p>
+        </p:txBody>
+      </p:sp>
+      <p:sp>
+        <p:nvSpPr>
+          <p:cNvPr id="4" name="Slide Number Placeholder 3"/>
+          <p:cNvSpPr>
+            <a:spLocks noGrp="1"/>
+          </p:cNvSpPr>
+          <p:nvPr>
+            <p:ph type="sldNum" sz="quarter" idx="5"/>
+          </p:nvPr>
+        </p:nvSpPr>
+        <p:spPr/>
+        <p:txBody>
+          <a:bodyPr/>
+          <a:lstStyle/>
+          <a:p>
+            <a:fld id="{5993AEC0-242E-4FA7-9D3C-51E1036AC3CB}" type="slidenum">
+              <a:rPr lang="es-MX" smtClean="0"/>
+              <a:t>10</a:t>
+            </a:fld>
+            <a:endParaRPr lang="es-MX" dirty="0"/>
+          </a:p>
+        </p:txBody>
+      </p:sp>
+    </p:spTree>
+    <p:extLst>
+      <p:ext uri="{BB962C8B-B14F-4D97-AF65-F5344CB8AC3E}">
+        <p14:creationId xmlns:p14="http://schemas.microsoft.com/office/powerpoint/2010/main" val="1635066248"/>
+      </p:ext>
+    </p:extLst>
+  </p:cSld>
+  <p:clrMapOvr>
+    <a:masterClrMapping/>
+  </p:clrMapOvr>
+</p:notes>
+</file>
+
 <file path=ppt/slideLayouts/slideLayout1.xml><?xml version="1.0" encoding="utf-8"?>
 <p:sldLayout xmlns:a="http://schemas.openxmlformats.org/drawingml/2006/main" xmlns:r="http://schemas.openxmlformats.org/officeDocument/2006/relationships" xmlns:p="http://schemas.openxmlformats.org/presentationml/2006/main" type="title" preserve="1">
   <p:cSld name="Diapositiva de título">
@@ -750,7 +834,7 @@
           <a:p>
             <a:fld id="{5E75A0DC-66C6-4CEC-A5EB-F8C97CEC3796}" type="datetimeFigureOut">
               <a:rPr lang="es-MX" smtClean="0"/>
-              <a:t>21/04/2024</a:t>
+              <a:t>23/04/2024</a:t>
             </a:fld>
             <a:endParaRPr lang="es-MX" dirty="0"/>
           </a:p>
@@ -920,7 +1004,7 @@
           <a:p>
             <a:fld id="{5E75A0DC-66C6-4CEC-A5EB-F8C97CEC3796}" type="datetimeFigureOut">
               <a:rPr lang="es-MX" smtClean="0"/>
-              <a:t>21/04/2024</a:t>
+              <a:t>23/04/2024</a:t>
             </a:fld>
             <a:endParaRPr lang="es-MX" dirty="0"/>
           </a:p>
@@ -1100,7 +1184,7 @@
           <a:p>
             <a:fld id="{5E75A0DC-66C6-4CEC-A5EB-F8C97CEC3796}" type="datetimeFigureOut">
               <a:rPr lang="es-MX" smtClean="0"/>
-              <a:t>21/04/2024</a:t>
+              <a:t>23/04/2024</a:t>
             </a:fld>
             <a:endParaRPr lang="es-MX" dirty="0"/>
           </a:p>
@@ -1270,7 +1354,7 @@
           <a:p>
             <a:fld id="{5E75A0DC-66C6-4CEC-A5EB-F8C97CEC3796}" type="datetimeFigureOut">
               <a:rPr lang="es-MX" smtClean="0"/>
-              <a:t>21/04/2024</a:t>
+              <a:t>23/04/2024</a:t>
             </a:fld>
             <a:endParaRPr lang="es-MX" dirty="0"/>
           </a:p>
@@ -1516,7 +1600,7 @@
           <a:p>
             <a:fld id="{5E75A0DC-66C6-4CEC-A5EB-F8C97CEC3796}" type="datetimeFigureOut">
               <a:rPr lang="es-MX" smtClean="0"/>
-              <a:t>21/04/2024</a:t>
+              <a:t>23/04/2024</a:t>
             </a:fld>
             <a:endParaRPr lang="es-MX" dirty="0"/>
           </a:p>
@@ -1804,7 +1888,7 @@
           <a:p>
             <a:fld id="{5E75A0DC-66C6-4CEC-A5EB-F8C97CEC3796}" type="datetimeFigureOut">
               <a:rPr lang="es-MX" smtClean="0"/>
-              <a:t>21/04/2024</a:t>
+              <a:t>23/04/2024</a:t>
             </a:fld>
             <a:endParaRPr lang="es-MX" dirty="0"/>
           </a:p>
@@ -2226,7 +2310,7 @@
           <a:p>
             <a:fld id="{5E75A0DC-66C6-4CEC-A5EB-F8C97CEC3796}" type="datetimeFigureOut">
               <a:rPr lang="es-MX" smtClean="0"/>
-              <a:t>21/04/2024</a:t>
+              <a:t>23/04/2024</a:t>
             </a:fld>
             <a:endParaRPr lang="es-MX" dirty="0"/>
           </a:p>
@@ -2344,7 +2428,7 @@
           <a:p>
             <a:fld id="{5E75A0DC-66C6-4CEC-A5EB-F8C97CEC3796}" type="datetimeFigureOut">
               <a:rPr lang="es-MX" smtClean="0"/>
-              <a:t>21/04/2024</a:t>
+              <a:t>23/04/2024</a:t>
             </a:fld>
             <a:endParaRPr lang="es-MX" dirty="0"/>
           </a:p>
@@ -2439,7 +2523,7 @@
           <a:p>
             <a:fld id="{5E75A0DC-66C6-4CEC-A5EB-F8C97CEC3796}" type="datetimeFigureOut">
               <a:rPr lang="es-MX" smtClean="0"/>
-              <a:t>21/04/2024</a:t>
+              <a:t>23/04/2024</a:t>
             </a:fld>
             <a:endParaRPr lang="es-MX" dirty="0"/>
           </a:p>
@@ -2716,7 +2800,7 @@
           <a:p>
             <a:fld id="{5E75A0DC-66C6-4CEC-A5EB-F8C97CEC3796}" type="datetimeFigureOut">
               <a:rPr lang="es-MX" smtClean="0"/>
-              <a:t>21/04/2024</a:t>
+              <a:t>23/04/2024</a:t>
             </a:fld>
             <a:endParaRPr lang="es-MX" dirty="0"/>
           </a:p>
@@ -2969,7 +3053,7 @@
           <a:p>
             <a:fld id="{5E75A0DC-66C6-4CEC-A5EB-F8C97CEC3796}" type="datetimeFigureOut">
               <a:rPr lang="es-MX" smtClean="0"/>
-              <a:t>21/04/2024</a:t>
+              <a:t>23/04/2024</a:t>
             </a:fld>
             <a:endParaRPr lang="es-MX" dirty="0"/>
           </a:p>
@@ -3182,7 +3266,7 @@
           <a:p>
             <a:fld id="{5E75A0DC-66C6-4CEC-A5EB-F8C97CEC3796}" type="datetimeFigureOut">
               <a:rPr lang="es-MX" smtClean="0"/>
-              <a:t>21/04/2024</a:t>
+              <a:t>23/04/2024</a:t>
             </a:fld>
             <a:endParaRPr lang="es-MX" dirty="0"/>
           </a:p>
@@ -3776,15 +3860,15 @@
           <p:nvPr/>
         </p:nvPicPr>
         <p:blipFill>
-          <a:blip r:embed="rId2"/>
+          <a:blip r:embed="rId3"/>
           <a:stretch>
             <a:fillRect/>
           </a:stretch>
         </p:blipFill>
         <p:spPr>
           <a:xfrm>
-            <a:off x="0" y="2780928"/>
-            <a:ext cx="9144000" cy="3078109"/>
+            <a:off x="341784" y="2872176"/>
+            <a:ext cx="8460432" cy="2848002"/>
           </a:xfrm>
           <a:prstGeom prst="rect">
             <a:avLst/>
@@ -8334,7 +8418,31 @@
                 <a:latin typeface="Arial" panose="020B0604020202020204" pitchFamily="34" charset="0"/>
                 <a:cs typeface="Arial" panose="020B0604020202020204" pitchFamily="34" charset="0"/>
               </a:rPr>
-              <a:t> interno o externo.</a:t>
+              <a:t> interno o externo en </a:t>
+            </a:r>
+            <a:r>
+              <a:rPr lang="es-MX" sz="1400" b="1" dirty="0">
+                <a:solidFill>
+                  <a:schemeClr val="bg2">
+                    <a:lumMod val="25000"/>
+                  </a:schemeClr>
+                </a:solidFill>
+                <a:latin typeface="Arial" panose="020B0604020202020204" pitchFamily="34" charset="0"/>
+                <a:cs typeface="Arial" panose="020B0604020202020204" pitchFamily="34" charset="0"/>
+              </a:rPr>
+              <a:t>RB</a:t>
+            </a:r>
+            <a:r>
+              <a:rPr lang="es-MX" sz="1400" dirty="0">
+                <a:solidFill>
+                  <a:schemeClr val="bg2">
+                    <a:lumMod val="25000"/>
+                  </a:schemeClr>
+                </a:solidFill>
+                <a:latin typeface="Arial" panose="020B0604020202020204" pitchFamily="34" charset="0"/>
+                <a:cs typeface="Arial" panose="020B0604020202020204" pitchFamily="34" charset="0"/>
+              </a:rPr>
+              <a:t>.</a:t>
             </a:r>
           </a:p>
           <a:p>
